--- a/docs/Sprint_A_Apresentacao_v0.pptx
+++ b/docs/Sprint_A_Apresentacao_v0.pptx
@@ -16,10 +16,10 @@
     <p:sldId id="258" r:id="rId4"/>
     <p:sldId id="259" r:id="rId5"/>
     <p:sldId id="260" r:id="rId6"/>
-    <p:sldId id="261" r:id="rId7"/>
+    <p:sldId id="275" r:id="rId7"/>
     <p:sldId id="262" r:id="rId8"/>
     <p:sldId id="263" r:id="rId9"/>
-    <p:sldId id="264" r:id="rId10"/>
+    <p:sldId id="274" r:id="rId10"/>
     <p:sldId id="265" r:id="rId11"/>
   </p:sldIdLst>
   <p:sldSz cx="9144000" cy="6858000" type="screen4x3"/>
@@ -15796,7 +15796,13 @@
     </p:bg>
     <p:spTree>
       <p:nvGrpSpPr>
-        <p:cNvPr id="1" name=""/>
+        <p:cNvPr id="1" name="">
+          <a:extLst>
+            <a:ext uri="{FF2B5EF4-FFF2-40B4-BE49-F238E27FC236}">
+              <a16:creationId xmlns:a16="http://schemas.microsoft.com/office/drawing/2014/main" id="{B6082251-1C06-118D-F3E9-C88E735BAF80}"/>
+            </a:ext>
+          </a:extLst>
+        </p:cNvPr>
         <p:cNvGrpSpPr/>
         <p:nvPr/>
       </p:nvGrpSpPr>
@@ -15810,10 +15816,10 @@
       </p:grpSpPr>
       <p:sp useBgFill="1">
         <p:nvSpPr>
-          <p:cNvPr id="9" name="Rectangle 8">
+          <p:cNvPr id="24" name="Rectangle 23">
             <a:extLst>
               <a:ext uri="{FF2B5EF4-FFF2-40B4-BE49-F238E27FC236}">
-                <a16:creationId xmlns:a16="http://schemas.microsoft.com/office/drawing/2014/main" id="{1B15ED52-F352-441B-82BF-E0EA34836D08}"/>
+                <a16:creationId xmlns:a16="http://schemas.microsoft.com/office/drawing/2014/main" id="{ACB29C07-B5E5-F5CC-523B-88F2E7304F97}"/>
               </a:ext>
               <a:ext uri="{C183D7F6-B498-43B3-948B-1728B52AA6E4}">
                 <adec:decorative xmlns:adec="http://schemas.microsoft.com/office/drawing/2017/decorative" val="1"/>
@@ -15886,10 +15892,10 @@
       </p:sp>
       <p:sp>
         <p:nvSpPr>
-          <p:cNvPr id="11" name="Rectangle 10">
+          <p:cNvPr id="26" name="Rectangle 25">
             <a:extLst>
               <a:ext uri="{FF2B5EF4-FFF2-40B4-BE49-F238E27FC236}">
-                <a16:creationId xmlns:a16="http://schemas.microsoft.com/office/drawing/2014/main" id="{3B2E3793-BFE6-45A2-9B7B-E18844431C99}"/>
+                <a16:creationId xmlns:a16="http://schemas.microsoft.com/office/drawing/2014/main" id="{5D4380C6-82CC-9E78-ABCE-41D24FFC06A6}"/>
               </a:ext>
               <a:ext uri="{C183D7F6-B498-43B3-948B-1728B52AA6E4}">
                 <adec:decorative xmlns:adec="http://schemas.microsoft.com/office/drawing/2017/decorative" val="1"/>
@@ -15908,9 +15914,9 @@
           </p:nvPr>
         </p:nvSpPr>
         <p:spPr>
-          <a:xfrm flipH="1">
-            <a:off x="0" y="-1"/>
-            <a:ext cx="9143997" cy="1590742"/>
+          <a:xfrm rot="5400000" flipH="1">
+            <a:off x="-1922632" y="1922631"/>
+            <a:ext cx="6875818" cy="3030558"/>
           </a:xfrm>
           <a:prstGeom prst="rect">
             <a:avLst/>
@@ -15926,7 +15932,83 @@
                 </a:schemeClr>
               </a:gs>
             </a:gsLst>
-            <a:lin ang="8400000" scaled="0"/>
+            <a:lin ang="18600000" scaled="0"/>
+          </a:gradFill>
+          <a:ln>
+            <a:noFill/>
+          </a:ln>
+        </p:spPr>
+        <p:style>
+          <a:lnRef idx="2">
+            <a:schemeClr val="accent1">
+              <a:shade val="50000"/>
+            </a:schemeClr>
+          </a:lnRef>
+          <a:fillRef idx="1">
+            <a:schemeClr val="accent1"/>
+          </a:fillRef>
+          <a:effectRef idx="0">
+            <a:schemeClr val="accent1"/>
+          </a:effectRef>
+          <a:fontRef idx="minor">
+            <a:schemeClr val="lt1"/>
+          </a:fontRef>
+        </p:style>
+        <p:txBody>
+          <a:bodyPr rtlCol="0" anchor="ctr"/>
+          <a:lstStyle/>
+          <a:p>
+            <a:pPr algn="ctr"/>
+            <a:endParaRPr lang="en-US" dirty="0"/>
+          </a:p>
+        </p:txBody>
+      </p:sp>
+      <p:sp>
+        <p:nvSpPr>
+          <p:cNvPr id="28" name="Rectangle 27">
+            <a:extLst>
+              <a:ext uri="{FF2B5EF4-FFF2-40B4-BE49-F238E27FC236}">
+                <a16:creationId xmlns:a16="http://schemas.microsoft.com/office/drawing/2014/main" id="{76B68497-4C39-EAEB-A6E0-104C2C59175C}"/>
+              </a:ext>
+              <a:ext uri="{C183D7F6-B498-43B3-948B-1728B52AA6E4}">
+                <adec:decorative xmlns:adec="http://schemas.microsoft.com/office/drawing/2017/decorative" val="1"/>
+              </a:ext>
+            </a:extLst>
+          </p:cNvPr>
+          <p:cNvSpPr>
+            <a:spLocks noGrp="1" noRot="1" noChangeAspect="1" noMove="1" noResize="1" noEditPoints="1" noAdjustHandles="1" noChangeArrowheads="1" noChangeShapeType="1" noTextEdit="1"/>
+          </p:cNvSpPr>
+          <p:nvPr>
+            <p:extLst>
+              <p:ext uri="{386F3935-93C4-4BCD-93E2-E3B085C9AB24}">
+                <p16:designElem xmlns:p16="http://schemas.microsoft.com/office/powerpoint/2015/main" val="1"/>
+              </p:ext>
+            </p:extLst>
+          </p:nvPr>
+        </p:nvSpPr>
+        <p:spPr>
+          <a:xfrm rot="16200000">
+            <a:off x="-663321" y="3165298"/>
+            <a:ext cx="4355594" cy="3028952"/>
+          </a:xfrm>
+          <a:prstGeom prst="rect">
+            <a:avLst/>
+          </a:prstGeom>
+          <a:gradFill>
+            <a:gsLst>
+              <a:gs pos="0">
+                <a:schemeClr val="accent1">
+                  <a:alpha val="50000"/>
+                </a:schemeClr>
+              </a:gs>
+              <a:gs pos="100000">
+                <a:schemeClr val="accent1">
+                  <a:lumMod val="50000"/>
+                  <a:alpha val="0"/>
+                </a:schemeClr>
+              </a:gs>
+            </a:gsLst>
+            <a:lin ang="11400000" scaled="0"/>
           </a:gradFill>
           <a:ln>
             <a:noFill/>
@@ -15959,10 +16041,10 @@
       </p:sp>
       <p:sp>
         <p:nvSpPr>
-          <p:cNvPr id="13" name="Rectangle 12">
+          <p:cNvPr id="30" name="Rectangle 29">
             <a:extLst>
               <a:ext uri="{FF2B5EF4-FFF2-40B4-BE49-F238E27FC236}">
-                <a16:creationId xmlns:a16="http://schemas.microsoft.com/office/drawing/2014/main" id="{BC4C4868-CB8F-4AF9-9CDB-8108F2C19B67}"/>
+                <a16:creationId xmlns:a16="http://schemas.microsoft.com/office/drawing/2014/main" id="{9389291B-8D91-F3FB-DACA-4749F2D49560}"/>
               </a:ext>
               <a:ext uri="{C183D7F6-B498-43B3-948B-1728B52AA6E4}">
                 <adec:decorative xmlns:adec="http://schemas.microsoft.com/office/drawing/2017/decorative" val="1"/>
@@ -15981,85 +16063,9 @@
           </p:nvPr>
         </p:nvSpPr>
         <p:spPr>
-          <a:xfrm rot="10800000" flipH="1">
-            <a:off x="-2" y="0"/>
-            <a:ext cx="6086479" cy="1590742"/>
-          </a:xfrm>
-          <a:prstGeom prst="rect">
-            <a:avLst/>
-          </a:prstGeom>
-          <a:gradFill>
-            <a:gsLst>
-              <a:gs pos="20000">
-                <a:schemeClr val="accent1">
-                  <a:alpha val="0"/>
-                </a:schemeClr>
-              </a:gs>
-              <a:gs pos="100000">
-                <a:schemeClr val="accent1">
-                  <a:lumMod val="50000"/>
-                  <a:alpha val="55000"/>
-                </a:schemeClr>
-              </a:gs>
-            </a:gsLst>
-            <a:lin ang="13800000" scaled="0"/>
-          </a:gradFill>
-          <a:ln>
-            <a:noFill/>
-          </a:ln>
-        </p:spPr>
-        <p:style>
-          <a:lnRef idx="2">
-            <a:schemeClr val="accent1">
-              <a:shade val="50000"/>
-            </a:schemeClr>
-          </a:lnRef>
-          <a:fillRef idx="1">
-            <a:schemeClr val="accent1"/>
-          </a:fillRef>
-          <a:effectRef idx="0">
-            <a:schemeClr val="accent1"/>
-          </a:effectRef>
-          <a:fontRef idx="minor">
-            <a:schemeClr val="lt1"/>
-          </a:fontRef>
-        </p:style>
-        <p:txBody>
-          <a:bodyPr rtlCol="0" anchor="ctr"/>
-          <a:lstStyle/>
-          <a:p>
-            <a:pPr algn="ctr"/>
-            <a:endParaRPr lang="en-US"/>
-          </a:p>
-        </p:txBody>
-      </p:sp>
-      <p:sp>
-        <p:nvSpPr>
-          <p:cNvPr id="15" name="Rectangle 14">
-            <a:extLst>
-              <a:ext uri="{FF2B5EF4-FFF2-40B4-BE49-F238E27FC236}">
-                <a16:creationId xmlns:a16="http://schemas.microsoft.com/office/drawing/2014/main" id="{375E0459-6403-40CD-989D-56A4407CA12E}"/>
-              </a:ext>
-              <a:ext uri="{C183D7F6-B498-43B3-948B-1728B52AA6E4}">
-                <adec:decorative xmlns:adec="http://schemas.microsoft.com/office/drawing/2017/decorative" val="1"/>
-              </a:ext>
-            </a:extLst>
-          </p:cNvPr>
-          <p:cNvSpPr>
-            <a:spLocks noGrp="1" noRot="1" noChangeAspect="1" noMove="1" noResize="1" noEditPoints="1" noAdjustHandles="1" noChangeArrowheads="1" noChangeShapeType="1" noTextEdit="1"/>
-          </p:cNvSpPr>
-          <p:nvPr>
-            <p:extLst>
-              <p:ext uri="{386F3935-93C4-4BCD-93E2-E3B085C9AB24}">
-                <p16:designElem xmlns:p16="http://schemas.microsoft.com/office/powerpoint/2015/main" val="1"/>
-              </p:ext>
-            </p:extLst>
-          </p:nvPr>
-        </p:nvSpPr>
-        <p:spPr>
-          <a:xfrm flipH="1">
-            <a:off x="6086474" y="-1"/>
-            <a:ext cx="3057523" cy="1590742"/>
+          <a:xfrm rot="16200000" flipH="1">
+            <a:off x="-1742858" y="2085760"/>
+            <a:ext cx="6857572" cy="2686051"/>
           </a:xfrm>
           <a:prstGeom prst="rect">
             <a:avLst/>
@@ -16067,14 +16073,14 @@
           <a:gradFill>
             <a:gsLst>
               <a:gs pos="0">
+                <a:srgbClr val="000000">
+                  <a:alpha val="59000"/>
+                </a:srgbClr>
+              </a:gs>
+              <a:gs pos="69000">
                 <a:schemeClr val="accent1">
-                  <a:alpha val="66000"/>
+                  <a:alpha val="0"/>
                 </a:schemeClr>
-              </a:gs>
-              <a:gs pos="100000">
-                <a:srgbClr val="000000">
-                  <a:alpha val="30000"/>
-                </a:srgbClr>
               </a:gs>
             </a:gsLst>
             <a:lin ang="13200000" scaled="0"/>
@@ -16104,16 +16110,16 @@
           <a:lstStyle/>
           <a:p>
             <a:pPr algn="ctr"/>
-            <a:endParaRPr lang="en-US"/>
+            <a:endParaRPr lang="en-US" dirty="0"/>
           </a:p>
         </p:txBody>
       </p:sp>
       <p:sp>
         <p:nvSpPr>
-          <p:cNvPr id="17" name="Rectangle 16">
+          <p:cNvPr id="32" name="Freeform: Shape 31">
             <a:extLst>
               <a:ext uri="{FF2B5EF4-FFF2-40B4-BE49-F238E27FC236}">
-                <a16:creationId xmlns:a16="http://schemas.microsoft.com/office/drawing/2014/main" id="{53E5B1A8-3AC9-4BD1-9BBC-78CA94F2D1BA}"/>
+                <a16:creationId xmlns:a16="http://schemas.microsoft.com/office/drawing/2014/main" id="{2DA12DAC-C4DB-3D94-E02E-AD6743E584BC}"/>
               </a:ext>
               <a:ext uri="{C183D7F6-B498-43B3-948B-1728B52AA6E4}">
                 <adec:decorative xmlns:adec="http://schemas.microsoft.com/office/drawing/2017/decorative" val="1"/>
@@ -16132,28 +16138,123 @@
           </p:nvPr>
         </p:nvSpPr>
         <p:spPr>
-          <a:xfrm>
-            <a:off x="344512" y="-1"/>
-            <a:ext cx="8799485" cy="1597433"/>
+          <a:xfrm rot="6097846">
+            <a:off x="-1161554" y="1712395"/>
+            <a:ext cx="4808302" cy="3066500"/>
           </a:xfrm>
-          <a:prstGeom prst="rect">
+          <a:custGeom>
             <a:avLst/>
-          </a:prstGeom>
+            <a:gdLst>
+              <a:gd name="connsiteX0" fmla="*/ 48844 w 4808302"/>
+              <a:gd name="connsiteY0" fmla="*/ 2888671 h 4088666"/>
+              <a:gd name="connsiteX1" fmla="*/ 0 w 4808302"/>
+              <a:gd name="connsiteY1" fmla="*/ 2404151 h 4088666"/>
+              <a:gd name="connsiteX2" fmla="*/ 2404151 w 4808302"/>
+              <a:gd name="connsiteY2" fmla="*/ 0 h 4088666"/>
+              <a:gd name="connsiteX3" fmla="*/ 4808302 w 4808302"/>
+              <a:gd name="connsiteY3" fmla="*/ 2404151 h 4088666"/>
+              <a:gd name="connsiteX4" fmla="*/ 4700216 w 4808302"/>
+              <a:gd name="connsiteY4" fmla="*/ 3119072 h 4088666"/>
+              <a:gd name="connsiteX5" fmla="*/ 4643143 w 4808302"/>
+              <a:gd name="connsiteY5" fmla="*/ 3275009 h 4088666"/>
+              <a:gd name="connsiteX6" fmla="*/ 690093 w 4808302"/>
+              <a:gd name="connsiteY6" fmla="*/ 4088666 h 4088666"/>
+              <a:gd name="connsiteX7" fmla="*/ 548991 w 4808302"/>
+              <a:gd name="connsiteY7" fmla="*/ 3933414 h 4088666"/>
+              <a:gd name="connsiteX8" fmla="*/ 48844 w 4808302"/>
+              <a:gd name="connsiteY8" fmla="*/ 2888671 h 4088666"/>
+            </a:gdLst>
+            <a:ahLst/>
+            <a:cxnLst>
+              <a:cxn ang="0">
+                <a:pos x="connsiteX0" y="connsiteY0"/>
+              </a:cxn>
+              <a:cxn ang="0">
+                <a:pos x="connsiteX1" y="connsiteY1"/>
+              </a:cxn>
+              <a:cxn ang="0">
+                <a:pos x="connsiteX2" y="connsiteY2"/>
+              </a:cxn>
+              <a:cxn ang="0">
+                <a:pos x="connsiteX3" y="connsiteY3"/>
+              </a:cxn>
+              <a:cxn ang="0">
+                <a:pos x="connsiteX4" y="connsiteY4"/>
+              </a:cxn>
+              <a:cxn ang="0">
+                <a:pos x="connsiteX5" y="connsiteY5"/>
+              </a:cxn>
+              <a:cxn ang="0">
+                <a:pos x="connsiteX6" y="connsiteY6"/>
+              </a:cxn>
+              <a:cxn ang="0">
+                <a:pos x="connsiteX7" y="connsiteY7"/>
+              </a:cxn>
+              <a:cxn ang="0">
+                <a:pos x="connsiteX8" y="connsiteY8"/>
+              </a:cxn>
+            </a:cxnLst>
+            <a:rect l="l" t="t" r="r" b="b"/>
+            <a:pathLst>
+              <a:path w="4808302" h="4088666">
+                <a:moveTo>
+                  <a:pt x="48844" y="2888671"/>
+                </a:moveTo>
+                <a:cubicBezTo>
+                  <a:pt x="16818" y="2732167"/>
+                  <a:pt x="0" y="2570123"/>
+                  <a:pt x="0" y="2404151"/>
+                </a:cubicBezTo>
+                <a:cubicBezTo>
+                  <a:pt x="0" y="1076375"/>
+                  <a:pt x="1076375" y="0"/>
+                  <a:pt x="2404151" y="0"/>
+                </a:cubicBezTo>
+                <a:cubicBezTo>
+                  <a:pt x="3731927" y="0"/>
+                  <a:pt x="4808302" y="1076375"/>
+                  <a:pt x="4808302" y="2404151"/>
+                </a:cubicBezTo>
+                <a:cubicBezTo>
+                  <a:pt x="4808302" y="2653109"/>
+                  <a:pt x="4770461" y="2893229"/>
+                  <a:pt x="4700216" y="3119072"/>
+                </a:cubicBezTo>
+                <a:lnTo>
+                  <a:pt x="4643143" y="3275009"/>
+                </a:lnTo>
+                <a:lnTo>
+                  <a:pt x="690093" y="4088666"/>
+                </a:lnTo>
+                <a:lnTo>
+                  <a:pt x="548991" y="3933414"/>
+                </a:lnTo>
+                <a:cubicBezTo>
+                  <a:pt x="304015" y="3636572"/>
+                  <a:pt x="128908" y="3279932"/>
+                  <a:pt x="48844" y="2888671"/>
+                </a:cubicBezTo>
+                <a:close/>
+              </a:path>
+            </a:pathLst>
+          </a:custGeom>
           <a:gradFill>
             <a:gsLst>
-              <a:gs pos="50000">
-                <a:srgbClr val="000000">
+              <a:gs pos="39000">
+                <a:schemeClr val="accent1">
+                  <a:lumMod val="60000"/>
+                  <a:lumOff val="40000"/>
                   <a:alpha val="0"/>
-                </a:srgbClr>
+                </a:schemeClr>
               </a:gs>
-              <a:gs pos="99000">
+              <a:gs pos="100000">
                 <a:schemeClr val="accent1">
-                  <a:lumMod val="50000"/>
-                  <a:alpha val="52000"/>
+                  <a:lumMod val="75000"/>
+                  <a:alpha val="26000"/>
                 </a:schemeClr>
               </a:gs>
             </a:gsLst>
-            <a:lin ang="16800000" scaled="0"/>
+            <a:lin ang="18600000" scaled="0"/>
           </a:gradFill>
           <a:ln>
             <a:noFill/>
@@ -16176,17 +16277,25 @@
           </a:fontRef>
         </p:style>
         <p:txBody>
-          <a:bodyPr rtlCol="0" anchor="ctr"/>
+          <a:bodyPr wrap="square" rtlCol="0" anchor="ctr">
+            <a:noAutofit/>
+          </a:bodyPr>
           <a:lstStyle/>
           <a:p>
             <a:pPr algn="ctr"/>
-            <a:endParaRPr lang="en-US"/>
+            <a:endParaRPr lang="en-US" dirty="0"/>
           </a:p>
         </p:txBody>
       </p:sp>
       <p:sp>
         <p:nvSpPr>
-          <p:cNvPr id="2" name="Title 1"/>
+          <p:cNvPr id="2" name="Title 1">
+            <a:extLst>
+              <a:ext uri="{FF2B5EF4-FFF2-40B4-BE49-F238E27FC236}">
+                <a16:creationId xmlns:a16="http://schemas.microsoft.com/office/drawing/2014/main" id="{C630569F-B1F3-3422-2C79-4BD6C5C92740}"/>
+              </a:ext>
+            </a:extLst>
+          </p:cNvPr>
           <p:cNvSpPr>
             <a:spLocks noGrp="1"/>
           </p:cNvSpPr>
@@ -16196,54 +16305,45 @@
         </p:nvSpPr>
         <p:spPr>
           <a:xfrm>
-            <a:off x="1028699" y="294538"/>
-            <a:ext cx="7421963" cy="1033669"/>
+            <a:off x="495030" y="2767106"/>
+            <a:ext cx="2160621" cy="3071906"/>
           </a:xfrm>
         </p:spPr>
         <p:txBody>
-          <a:bodyPr>
+          <a:bodyPr vert="horz" lIns="91440" tIns="45720" rIns="91440" bIns="45720" rtlCol="0" anchor="t">
             <a:normAutofit/>
           </a:bodyPr>
           <a:lstStyle/>
           <a:p>
+            <a:pPr defTabSz="914400">
+              <a:lnSpc>
+                <a:spcPct val="90000"/>
+              </a:lnSpc>
+            </a:pPr>
             <a:r>
-              <a:rPr lang="pt-PT" sz="3500">
+              <a:rPr lang="pt-PT" sz="3500" dirty="0">
                 <a:solidFill>
                   <a:srgbClr val="FFFFFF"/>
                 </a:solidFill>
               </a:rPr>
-              <a:t>US_A008 – Fluxograma</a:t>
+              <a:t>US_A008 </a:t>
             </a:r>
-          </a:p>
-        </p:txBody>
-      </p:sp>
-      <p:sp>
-        <p:nvSpPr>
-          <p:cNvPr id="3" name="Content Placeholder 2"/>
-          <p:cNvSpPr>
-            <a:spLocks noGrp="1"/>
-          </p:cNvSpPr>
-          <p:nvPr>
-            <p:ph idx="1"/>
-          </p:nvPr>
-        </p:nvSpPr>
-        <p:spPr>
-          <a:xfrm>
-            <a:off x="1028699" y="2318197"/>
-            <a:ext cx="7293023" cy="3683358"/>
-          </a:xfrm>
-        </p:spPr>
-        <p:txBody>
-          <a:bodyPr anchor="ctr">
-            <a:normAutofit/>
-          </a:bodyPr>
-          <a:lstStyle/>
-          <a:p>
             <a:r>
-              <a:rPr lang="pt-PT" sz="1700" dirty="0" err="1"/>
-              <a:t>placeholder</a:t>
+              <a:rPr lang="pt-PT" sz="3200" dirty="0">
+                <a:solidFill>
+                  <a:srgbClr val="FFFFFF"/>
+                </a:solidFill>
+              </a:rPr>
+              <a:t>Fluxograma</a:t>
             </a:r>
-            <a:endParaRPr lang="pt-PT" sz="1700" dirty="0"/>
+            <a:endParaRPr lang="en-US" sz="3500" kern="1200" dirty="0">
+              <a:solidFill>
+                <a:srgbClr val="FFFFFF"/>
+              </a:solidFill>
+              <a:latin typeface="+mj-lt"/>
+              <a:ea typeface="+mj-ea"/>
+              <a:cs typeface="+mj-cs"/>
+            </a:endParaRPr>
           </a:p>
         </p:txBody>
       </p:sp>
@@ -16252,7 +16352,7 @@
           <p:cNvPr id="4" name="Slide Number Placeholder 3">
             <a:extLst>
               <a:ext uri="{FF2B5EF4-FFF2-40B4-BE49-F238E27FC236}">
-                <a16:creationId xmlns:a16="http://schemas.microsoft.com/office/drawing/2014/main" id="{C1E011E4-BC4A-2786-5B93-4CB874072CC2}"/>
+                <a16:creationId xmlns:a16="http://schemas.microsoft.com/office/drawing/2014/main" id="{040C1007-AE9C-E3A9-D925-CBF618DE5C91}"/>
               </a:ext>
             </a:extLst>
           </p:cNvPr>
@@ -16265,17 +16365,17 @@
         </p:nvSpPr>
         <p:spPr>
           <a:xfrm>
-            <a:off x="8778240" y="6455431"/>
-            <a:ext cx="334434" cy="365125"/>
+            <a:off x="8778240" y="6455664"/>
+            <a:ext cx="336042" cy="365125"/>
           </a:xfrm>
         </p:spPr>
         <p:txBody>
-          <a:bodyPr>
+          <a:bodyPr vert="horz" lIns="91440" tIns="45720" rIns="91440" bIns="45720" rtlCol="0" anchor="ctr">
             <a:normAutofit/>
           </a:bodyPr>
           <a:lstStyle/>
           <a:p>
-            <a:pPr>
+            <a:pPr defTabSz="914400">
               <a:spcAft>
                 <a:spcPts val="600"/>
               </a:spcAft>
@@ -16289,7 +16389,7 @@
                   </a:schemeClr>
                 </a:solidFill>
               </a:rPr>
-              <a:pPr>
+              <a:pPr defTabSz="914400">
                 <a:spcAft>
                   <a:spcPts val="600"/>
                 </a:spcAft>
@@ -16309,10 +16409,10 @@
       </p:sp>
       <p:pic>
         <p:nvPicPr>
-          <p:cNvPr id="5" name="Picture 4">
+          <p:cNvPr id="10" name="Picture 9">
             <a:extLst>
               <a:ext uri="{FF2B5EF4-FFF2-40B4-BE49-F238E27FC236}">
-                <a16:creationId xmlns:a16="http://schemas.microsoft.com/office/drawing/2014/main" id="{A5B20465-0327-BF1A-5199-314C244BF28D}"/>
+                <a16:creationId xmlns:a16="http://schemas.microsoft.com/office/drawing/2014/main" id="{50BE7AA3-9F2E-1FC2-22FD-F3F02CBFD653}"/>
               </a:ext>
             </a:extLst>
           </p:cNvPr>
@@ -16334,103 +16434,63 @@
           <a:noFill/>
         </p:spPr>
       </p:pic>
+      <p:pic>
+        <p:nvPicPr>
+          <p:cNvPr id="2052" name="Picture 4">
+            <a:extLst>
+              <a:ext uri="{FF2B5EF4-FFF2-40B4-BE49-F238E27FC236}">
+                <a16:creationId xmlns:a16="http://schemas.microsoft.com/office/drawing/2014/main" id="{20ADEBDB-F32B-B9EB-D696-6FE75BDCA33D}"/>
+              </a:ext>
+            </a:extLst>
+          </p:cNvPr>
+          <p:cNvPicPr>
+            <a:picLocks noChangeAspect="1" noChangeArrowheads="1"/>
+          </p:cNvPicPr>
+          <p:nvPr/>
+        </p:nvPicPr>
+        <p:blipFill>
+          <a:blip r:embed="rId3">
+            <a:extLst>
+              <a:ext uri="{28A0092B-C50C-407E-A947-70E740481C1C}">
+                <a14:useLocalDpi xmlns:a14="http://schemas.microsoft.com/office/drawing/2010/main" val="0"/>
+              </a:ext>
+            </a:extLst>
+          </a:blip>
+          <a:srcRect/>
+          <a:stretch>
+            <a:fillRect/>
+          </a:stretch>
+        </p:blipFill>
+        <p:spPr bwMode="auto">
+          <a:xfrm>
+            <a:off x="3028951" y="8482"/>
+            <a:ext cx="6039253" cy="6858000"/>
+          </a:xfrm>
+          <a:prstGeom prst="rect">
+            <a:avLst/>
+          </a:prstGeom>
+          <a:noFill/>
+          <a:extLst>
+            <a:ext uri="{909E8E84-426E-40DD-AFC4-6F175D3DCCD1}">
+              <a14:hiddenFill xmlns:a14="http://schemas.microsoft.com/office/drawing/2010/main">
+                <a:solidFill>
+                  <a:srgbClr val="FFFFFF"/>
+                </a:solidFill>
+              </a14:hiddenFill>
+            </a:ext>
+          </a:extLst>
+        </p:spPr>
+      </p:pic>
     </p:spTree>
+    <p:extLst>
+      <p:ext uri="{BB962C8B-B14F-4D97-AF65-F5344CB8AC3E}">
+        <p14:creationId xmlns:p14="http://schemas.microsoft.com/office/powerpoint/2010/main" val="4023130912"/>
+      </p:ext>
+    </p:extLst>
   </p:cSld>
   <p:clrMapOvr>
     <a:masterClrMapping/>
   </p:clrMapOvr>
-  <p:timing>
-    <p:tnLst>
-      <p:par>
-        <p:cTn id="1" dur="indefinite" restart="never" nodeType="tmRoot">
-          <p:childTnLst>
-            <p:seq concurrent="1" nextAc="seek">
-              <p:cTn id="2" dur="indefinite" nodeType="mainSeq">
-                <p:childTnLst>
-                  <p:par>
-                    <p:cTn id="3" fill="hold">
-                      <p:stCondLst>
-                        <p:cond delay="indefinite"/>
-                        <p:cond evt="onBegin" delay="0">
-                          <p:tn val="2"/>
-                        </p:cond>
-                      </p:stCondLst>
-                      <p:childTnLst>
-                        <p:par>
-                          <p:cTn id="4" fill="hold">
-                            <p:stCondLst>
-                              <p:cond delay="0"/>
-                            </p:stCondLst>
-                            <p:childTnLst>
-                              <p:par>
-                                <p:cTn id="5" presetID="10" presetClass="entr" presetSubtype="0" fill="hold" grpId="0" nodeType="withEffect">
-                                  <p:stCondLst>
-                                    <p:cond delay="500"/>
-                                  </p:stCondLst>
-                                  <p:iterate type="lt">
-                                    <p:tmPct val="10000"/>
-                                  </p:iterate>
-                                  <p:childTnLst>
-                                    <p:set>
-                                      <p:cBhvr>
-                                        <p:cTn id="6" dur="1" fill="hold">
-                                          <p:stCondLst>
-                                            <p:cond delay="0"/>
-                                          </p:stCondLst>
-                                        </p:cTn>
-                                        <p:tgtEl>
-                                          <p:spTgt spid="2"/>
-                                        </p:tgtEl>
-                                        <p:attrNameLst>
-                                          <p:attrName>style.visibility</p:attrName>
-                                        </p:attrNameLst>
-                                      </p:cBhvr>
-                                      <p:to>
-                                        <p:strVal val="visible"/>
-                                      </p:to>
-                                    </p:set>
-                                    <p:animEffect transition="in" filter="fade">
-                                      <p:cBhvr>
-                                        <p:cTn id="7" dur="400"/>
-                                        <p:tgtEl>
-                                          <p:spTgt spid="2"/>
-                                        </p:tgtEl>
-                                      </p:cBhvr>
-                                    </p:animEffect>
-                                  </p:childTnLst>
-                                </p:cTn>
-                              </p:par>
-                            </p:childTnLst>
-                          </p:cTn>
-                        </p:par>
-                      </p:childTnLst>
-                    </p:cTn>
-                  </p:par>
-                </p:childTnLst>
-              </p:cTn>
-              <p:prevCondLst>
-                <p:cond evt="onPrev" delay="0">
-                  <p:tgtEl>
-                    <p:sldTgt/>
-                  </p:tgtEl>
-                </p:cond>
-              </p:prevCondLst>
-              <p:nextCondLst>
-                <p:cond evt="onNext" delay="0">
-                  <p:tgtEl>
-                    <p:sldTgt/>
-                  </p:tgtEl>
-                </p:cond>
-              </p:nextCondLst>
-            </p:seq>
-          </p:childTnLst>
-        </p:cTn>
-      </p:par>
-    </p:tnLst>
-    <p:bldLst>
-      <p:bldP spid="2" grpId="0"/>
-    </p:bldLst>
-  </p:timing>
 </p:sld>
 </file>
 
@@ -17616,7 +17676,13 @@
     </p:bg>
     <p:spTree>
       <p:nvGrpSpPr>
-        <p:cNvPr id="1" name=""/>
+        <p:cNvPr id="1" name="">
+          <a:extLst>
+            <a:ext uri="{FF2B5EF4-FFF2-40B4-BE49-F238E27FC236}">
+              <a16:creationId xmlns:a16="http://schemas.microsoft.com/office/drawing/2014/main" id="{26177F01-4A11-9647-13B8-C4EF0A0D5E22}"/>
+            </a:ext>
+          </a:extLst>
+        </p:cNvPr>
         <p:cNvGrpSpPr/>
         <p:nvPr/>
       </p:nvGrpSpPr>
@@ -17630,10 +17696,10 @@
       </p:grpSpPr>
       <p:sp useBgFill="1">
         <p:nvSpPr>
-          <p:cNvPr id="23" name="Rectangle 22">
+          <p:cNvPr id="24" name="Rectangle 23">
             <a:extLst>
               <a:ext uri="{FF2B5EF4-FFF2-40B4-BE49-F238E27FC236}">
-                <a16:creationId xmlns:a16="http://schemas.microsoft.com/office/drawing/2014/main" id="{A8384FB5-9ADC-4DDC-881B-597D56F5B15D}"/>
+                <a16:creationId xmlns:a16="http://schemas.microsoft.com/office/drawing/2014/main" id="{CB3C8196-59B8-E92D-280E-CEFA0158A303}"/>
               </a:ext>
               <a:ext uri="{C183D7F6-B498-43B3-948B-1728B52AA6E4}">
                 <adec:decorative xmlns:adec="http://schemas.microsoft.com/office/drawing/2017/decorative" val="1"/>
@@ -17706,10 +17772,10 @@
       </p:sp>
       <p:sp>
         <p:nvSpPr>
-          <p:cNvPr id="24" name="Rectangle 23">
+          <p:cNvPr id="26" name="Rectangle 25">
             <a:extLst>
               <a:ext uri="{FF2B5EF4-FFF2-40B4-BE49-F238E27FC236}">
-                <a16:creationId xmlns:a16="http://schemas.microsoft.com/office/drawing/2014/main" id="{1199E1B1-A8C0-4FE8-A5A8-1CB41D69F857}"/>
+                <a16:creationId xmlns:a16="http://schemas.microsoft.com/office/drawing/2014/main" id="{4DA4024B-1636-1C0D-7B88-7D1220D8928C}"/>
               </a:ext>
               <a:ext uri="{C183D7F6-B498-43B3-948B-1728B52AA6E4}">
                 <adec:decorative xmlns:adec="http://schemas.microsoft.com/office/drawing/2017/decorative" val="1"/>
@@ -17728,9 +17794,9 @@
           </p:nvPr>
         </p:nvSpPr>
         <p:spPr>
-          <a:xfrm rot="10800000" flipH="1">
-            <a:off x="1" y="0"/>
-            <a:ext cx="9143999" cy="1575955"/>
+          <a:xfrm rot="5400000" flipH="1">
+            <a:off x="-1922632" y="1922631"/>
+            <a:ext cx="6875818" cy="3030558"/>
           </a:xfrm>
           <a:prstGeom prst="rect">
             <a:avLst/>
@@ -17738,9 +17804,7 @@
           <a:gradFill>
             <a:gsLst>
               <a:gs pos="0">
-                <a:srgbClr val="000000">
-                  <a:alpha val="96000"/>
-                </a:srgbClr>
+                <a:srgbClr val="000000"/>
               </a:gs>
               <a:gs pos="100000">
                 <a:schemeClr val="accent1">
@@ -17748,7 +17812,83 @@
                 </a:schemeClr>
               </a:gs>
             </a:gsLst>
-            <a:lin ang="6000000" scaled="0"/>
+            <a:lin ang="18600000" scaled="0"/>
+          </a:gradFill>
+          <a:ln>
+            <a:noFill/>
+          </a:ln>
+        </p:spPr>
+        <p:style>
+          <a:lnRef idx="2">
+            <a:schemeClr val="accent1">
+              <a:shade val="50000"/>
+            </a:schemeClr>
+          </a:lnRef>
+          <a:fillRef idx="1">
+            <a:schemeClr val="accent1"/>
+          </a:fillRef>
+          <a:effectRef idx="0">
+            <a:schemeClr val="accent1"/>
+          </a:effectRef>
+          <a:fontRef idx="minor">
+            <a:schemeClr val="lt1"/>
+          </a:fontRef>
+        </p:style>
+        <p:txBody>
+          <a:bodyPr rtlCol="0" anchor="ctr"/>
+          <a:lstStyle/>
+          <a:p>
+            <a:pPr algn="ctr"/>
+            <a:endParaRPr lang="en-US" dirty="0"/>
+          </a:p>
+        </p:txBody>
+      </p:sp>
+      <p:sp>
+        <p:nvSpPr>
+          <p:cNvPr id="28" name="Rectangle 27">
+            <a:extLst>
+              <a:ext uri="{FF2B5EF4-FFF2-40B4-BE49-F238E27FC236}">
+                <a16:creationId xmlns:a16="http://schemas.microsoft.com/office/drawing/2014/main" id="{67A50A32-9680-B86E-475D-330B7A8A2264}"/>
+              </a:ext>
+              <a:ext uri="{C183D7F6-B498-43B3-948B-1728B52AA6E4}">
+                <adec:decorative xmlns:adec="http://schemas.microsoft.com/office/drawing/2017/decorative" val="1"/>
+              </a:ext>
+            </a:extLst>
+          </p:cNvPr>
+          <p:cNvSpPr>
+            <a:spLocks noGrp="1" noRot="1" noChangeAspect="1" noMove="1" noResize="1" noEditPoints="1" noAdjustHandles="1" noChangeArrowheads="1" noChangeShapeType="1" noTextEdit="1"/>
+          </p:cNvSpPr>
+          <p:nvPr>
+            <p:extLst>
+              <p:ext uri="{386F3935-93C4-4BCD-93E2-E3B085C9AB24}">
+                <p16:designElem xmlns:p16="http://schemas.microsoft.com/office/powerpoint/2015/main" val="1"/>
+              </p:ext>
+            </p:extLst>
+          </p:nvPr>
+        </p:nvSpPr>
+        <p:spPr>
+          <a:xfrm rot="16200000">
+            <a:off x="-663321" y="3165298"/>
+            <a:ext cx="4355594" cy="3028952"/>
+          </a:xfrm>
+          <a:prstGeom prst="rect">
+            <a:avLst/>
+          </a:prstGeom>
+          <a:gradFill>
+            <a:gsLst>
+              <a:gs pos="0">
+                <a:schemeClr val="accent1">
+                  <a:alpha val="50000"/>
+                </a:schemeClr>
+              </a:gs>
+              <a:gs pos="100000">
+                <a:schemeClr val="accent1">
+                  <a:lumMod val="50000"/>
+                  <a:alpha val="0"/>
+                </a:schemeClr>
+              </a:gs>
+            </a:gsLst>
+            <a:lin ang="11400000" scaled="0"/>
           </a:gradFill>
           <a:ln>
             <a:noFill/>
@@ -17781,10 +17921,10 @@
       </p:sp>
       <p:sp>
         <p:nvSpPr>
-          <p:cNvPr id="25" name="Rectangle 24">
+          <p:cNvPr id="30" name="Rectangle 29">
             <a:extLst>
               <a:ext uri="{FF2B5EF4-FFF2-40B4-BE49-F238E27FC236}">
-                <a16:creationId xmlns:a16="http://schemas.microsoft.com/office/drawing/2014/main" id="{84A8DE83-DE75-4B41-9DB4-A7EC0B0DEC0B}"/>
+                <a16:creationId xmlns:a16="http://schemas.microsoft.com/office/drawing/2014/main" id="{5CDCC023-4AD3-3DC8-8DE2-880EEB3695F4}"/>
               </a:ext>
               <a:ext uri="{C183D7F6-B498-43B3-948B-1728B52AA6E4}">
                 <adec:decorative xmlns:adec="http://schemas.microsoft.com/office/drawing/2017/decorative" val="1"/>
@@ -17803,9 +17943,9 @@
           </p:nvPr>
         </p:nvSpPr>
         <p:spPr>
-          <a:xfrm>
-            <a:off x="0" y="0"/>
-            <a:ext cx="6096642" cy="1575461"/>
+          <a:xfrm rot="16200000" flipH="1">
+            <a:off x="-1742858" y="2085760"/>
+            <a:ext cx="6857572" cy="2686051"/>
           </a:xfrm>
           <a:prstGeom prst="rect">
             <a:avLst/>
@@ -17813,19 +17953,17 @@
           <a:gradFill>
             <a:gsLst>
               <a:gs pos="0">
+                <a:srgbClr val="000000">
+                  <a:alpha val="59000"/>
+                </a:srgbClr>
+              </a:gs>
+              <a:gs pos="69000">
                 <a:schemeClr val="accent1">
-                  <a:alpha val="41000"/>
-                </a:schemeClr>
-              </a:gs>
-              <a:gs pos="74000">
-                <a:schemeClr val="accent1">
-                  <a:lumMod val="60000"/>
-                  <a:lumOff val="40000"/>
                   <a:alpha val="0"/>
                 </a:schemeClr>
               </a:gs>
             </a:gsLst>
-            <a:lin ang="8400000" scaled="0"/>
+            <a:lin ang="13200000" scaled="0"/>
           </a:gradFill>
           <a:ln>
             <a:noFill/>
@@ -17852,16 +17990,16 @@
           <a:lstStyle/>
           <a:p>
             <a:pPr algn="ctr"/>
-            <a:endParaRPr lang="en-US"/>
+            <a:endParaRPr lang="en-US" dirty="0"/>
           </a:p>
         </p:txBody>
       </p:sp>
       <p:sp>
         <p:nvSpPr>
-          <p:cNvPr id="26" name="Rectangle 25">
+          <p:cNvPr id="32" name="Freeform: Shape 31">
             <a:extLst>
               <a:ext uri="{FF2B5EF4-FFF2-40B4-BE49-F238E27FC236}">
-                <a16:creationId xmlns:a16="http://schemas.microsoft.com/office/drawing/2014/main" id="{A7009A0A-BEF5-4EAC-AF15-E4F9F002E239}"/>
+                <a16:creationId xmlns:a16="http://schemas.microsoft.com/office/drawing/2014/main" id="{6EFCB0B8-A7C9-FC68-696E-A02F71A7BE87}"/>
               </a:ext>
               <a:ext uri="{C183D7F6-B498-43B3-948B-1728B52AA6E4}">
                 <adec:decorative xmlns:adec="http://schemas.microsoft.com/office/drawing/2017/decorative" val="1"/>
@@ -17880,27 +18018,123 @@
           </p:nvPr>
         </p:nvSpPr>
         <p:spPr>
-          <a:xfrm flipH="1">
-            <a:off x="-2" y="-1"/>
-            <a:ext cx="9144001" cy="1574311"/>
+          <a:xfrm rot="6097846">
+            <a:off x="-1161554" y="1712395"/>
+            <a:ext cx="4808302" cy="3066500"/>
           </a:xfrm>
-          <a:prstGeom prst="rect">
+          <a:custGeom>
             <a:avLst/>
-          </a:prstGeom>
+            <a:gdLst>
+              <a:gd name="connsiteX0" fmla="*/ 48844 w 4808302"/>
+              <a:gd name="connsiteY0" fmla="*/ 2888671 h 4088666"/>
+              <a:gd name="connsiteX1" fmla="*/ 0 w 4808302"/>
+              <a:gd name="connsiteY1" fmla="*/ 2404151 h 4088666"/>
+              <a:gd name="connsiteX2" fmla="*/ 2404151 w 4808302"/>
+              <a:gd name="connsiteY2" fmla="*/ 0 h 4088666"/>
+              <a:gd name="connsiteX3" fmla="*/ 4808302 w 4808302"/>
+              <a:gd name="connsiteY3" fmla="*/ 2404151 h 4088666"/>
+              <a:gd name="connsiteX4" fmla="*/ 4700216 w 4808302"/>
+              <a:gd name="connsiteY4" fmla="*/ 3119072 h 4088666"/>
+              <a:gd name="connsiteX5" fmla="*/ 4643143 w 4808302"/>
+              <a:gd name="connsiteY5" fmla="*/ 3275009 h 4088666"/>
+              <a:gd name="connsiteX6" fmla="*/ 690093 w 4808302"/>
+              <a:gd name="connsiteY6" fmla="*/ 4088666 h 4088666"/>
+              <a:gd name="connsiteX7" fmla="*/ 548991 w 4808302"/>
+              <a:gd name="connsiteY7" fmla="*/ 3933414 h 4088666"/>
+              <a:gd name="connsiteX8" fmla="*/ 48844 w 4808302"/>
+              <a:gd name="connsiteY8" fmla="*/ 2888671 h 4088666"/>
+            </a:gdLst>
+            <a:ahLst/>
+            <a:cxnLst>
+              <a:cxn ang="0">
+                <a:pos x="connsiteX0" y="connsiteY0"/>
+              </a:cxn>
+              <a:cxn ang="0">
+                <a:pos x="connsiteX1" y="connsiteY1"/>
+              </a:cxn>
+              <a:cxn ang="0">
+                <a:pos x="connsiteX2" y="connsiteY2"/>
+              </a:cxn>
+              <a:cxn ang="0">
+                <a:pos x="connsiteX3" y="connsiteY3"/>
+              </a:cxn>
+              <a:cxn ang="0">
+                <a:pos x="connsiteX4" y="connsiteY4"/>
+              </a:cxn>
+              <a:cxn ang="0">
+                <a:pos x="connsiteX5" y="connsiteY5"/>
+              </a:cxn>
+              <a:cxn ang="0">
+                <a:pos x="connsiteX6" y="connsiteY6"/>
+              </a:cxn>
+              <a:cxn ang="0">
+                <a:pos x="connsiteX7" y="connsiteY7"/>
+              </a:cxn>
+              <a:cxn ang="0">
+                <a:pos x="connsiteX8" y="connsiteY8"/>
+              </a:cxn>
+            </a:cxnLst>
+            <a:rect l="l" t="t" r="r" b="b"/>
+            <a:pathLst>
+              <a:path w="4808302" h="4088666">
+                <a:moveTo>
+                  <a:pt x="48844" y="2888671"/>
+                </a:moveTo>
+                <a:cubicBezTo>
+                  <a:pt x="16818" y="2732167"/>
+                  <a:pt x="0" y="2570123"/>
+                  <a:pt x="0" y="2404151"/>
+                </a:cubicBezTo>
+                <a:cubicBezTo>
+                  <a:pt x="0" y="1076375"/>
+                  <a:pt x="1076375" y="0"/>
+                  <a:pt x="2404151" y="0"/>
+                </a:cubicBezTo>
+                <a:cubicBezTo>
+                  <a:pt x="3731927" y="0"/>
+                  <a:pt x="4808302" y="1076375"/>
+                  <a:pt x="4808302" y="2404151"/>
+                </a:cubicBezTo>
+                <a:cubicBezTo>
+                  <a:pt x="4808302" y="2653109"/>
+                  <a:pt x="4770461" y="2893229"/>
+                  <a:pt x="4700216" y="3119072"/>
+                </a:cubicBezTo>
+                <a:lnTo>
+                  <a:pt x="4643143" y="3275009"/>
+                </a:lnTo>
+                <a:lnTo>
+                  <a:pt x="690093" y="4088666"/>
+                </a:lnTo>
+                <a:lnTo>
+                  <a:pt x="548991" y="3933414"/>
+                </a:lnTo>
+                <a:cubicBezTo>
+                  <a:pt x="304015" y="3636572"/>
+                  <a:pt x="128908" y="3279932"/>
+                  <a:pt x="48844" y="2888671"/>
+                </a:cubicBezTo>
+                <a:close/>
+              </a:path>
+            </a:pathLst>
+          </a:custGeom>
           <a:gradFill>
             <a:gsLst>
-              <a:gs pos="0">
-                <a:srgbClr val="000000">
-                  <a:alpha val="63000"/>
-                </a:srgbClr>
+              <a:gs pos="39000">
+                <a:schemeClr val="accent1">
+                  <a:lumMod val="60000"/>
+                  <a:lumOff val="40000"/>
+                  <a:alpha val="0"/>
+                </a:schemeClr>
               </a:gs>
-              <a:gs pos="78000">
+              <a:gs pos="100000">
                 <a:schemeClr val="accent1">
-                  <a:alpha val="15000"/>
+                  <a:lumMod val="75000"/>
+                  <a:alpha val="26000"/>
                 </a:schemeClr>
               </a:gs>
             </a:gsLst>
-            <a:lin ang="15600000" scaled="0"/>
+            <a:lin ang="18600000" scaled="0"/>
           </a:gradFill>
           <a:ln>
             <a:noFill/>
@@ -17923,17 +18157,25 @@
           </a:fontRef>
         </p:style>
         <p:txBody>
-          <a:bodyPr rtlCol="0" anchor="ctr"/>
+          <a:bodyPr wrap="square" rtlCol="0" anchor="ctr">
+            <a:noAutofit/>
+          </a:bodyPr>
           <a:lstStyle/>
           <a:p>
             <a:pPr algn="ctr"/>
-            <a:endParaRPr lang="en-US"/>
+            <a:endParaRPr lang="en-US" dirty="0"/>
           </a:p>
         </p:txBody>
       </p:sp>
       <p:sp>
         <p:nvSpPr>
-          <p:cNvPr id="2" name="Title 1"/>
+          <p:cNvPr id="2" name="Title 1">
+            <a:extLst>
+              <a:ext uri="{FF2B5EF4-FFF2-40B4-BE49-F238E27FC236}">
+                <a16:creationId xmlns:a16="http://schemas.microsoft.com/office/drawing/2014/main" id="{1E440D77-E363-65AE-A0AA-4E2539FF1273}"/>
+              </a:ext>
+            </a:extLst>
+          </p:cNvPr>
           <p:cNvSpPr>
             <a:spLocks noGrp="1"/>
           </p:cNvSpPr>
@@ -17943,12 +18185,12 @@
         </p:nvSpPr>
         <p:spPr>
           <a:xfrm>
-            <a:off x="524784" y="248038"/>
-            <a:ext cx="8306233" cy="1159200"/>
+            <a:off x="495030" y="2767106"/>
+            <a:ext cx="2160621" cy="3071906"/>
           </a:xfrm>
         </p:spPr>
         <p:txBody>
-          <a:bodyPr vert="horz" lIns="91440" tIns="45720" rIns="91440" bIns="45720" rtlCol="0" anchor="ctr">
+          <a:bodyPr vert="horz" lIns="91440" tIns="45720" rIns="91440" bIns="45720" rtlCol="0" anchor="t">
             <a:normAutofit/>
           </a:bodyPr>
           <a:lstStyle/>
@@ -17959,24 +18201,18 @@
               </a:lnSpc>
             </a:pPr>
             <a:r>
-              <a:rPr lang="en-US" sz="3500" kern="1200" dirty="0">
+              <a:rPr lang="en-US" sz="3500" dirty="0">
                 <a:solidFill>
                   <a:srgbClr val="FFFFFF"/>
                 </a:solidFill>
-                <a:latin typeface="+mj-lt"/>
-                <a:ea typeface="+mj-ea"/>
-                <a:cs typeface="+mj-cs"/>
               </a:rPr>
-              <a:t>US_A004 – Modelo de </a:t>
+              <a:t>US_A004 Modelo de </a:t>
             </a:r>
             <a:r>
-              <a:rPr lang="en-US" sz="3500" kern="1200" dirty="0" err="1">
+              <a:rPr lang="en-US" sz="3500" dirty="0" err="1">
                 <a:solidFill>
                   <a:srgbClr val="FFFFFF"/>
                 </a:solidFill>
-                <a:latin typeface="+mj-lt"/>
-                <a:ea typeface="+mj-ea"/>
-                <a:cs typeface="+mj-cs"/>
               </a:rPr>
               <a:t>Domínio</a:t>
             </a:r>
@@ -17991,44 +18227,12 @@
           </a:p>
         </p:txBody>
       </p:sp>
-      <p:pic>
-        <p:nvPicPr>
-          <p:cNvPr id="8" name="Content Placeholder 7" descr="A diagram of a software system&#10;&#10;AI-generated content may be incorrect.">
-            <a:extLst>
-              <a:ext uri="{FF2B5EF4-FFF2-40B4-BE49-F238E27FC236}">
-                <a16:creationId xmlns:a16="http://schemas.microsoft.com/office/drawing/2014/main" id="{CBBCA687-AC08-6130-5666-08BDD5EE8B44}"/>
-              </a:ext>
-            </a:extLst>
-          </p:cNvPr>
-          <p:cNvPicPr>
-            <a:picLocks noGrp="1" noChangeAspect="1"/>
-          </p:cNvPicPr>
-          <p:nvPr>
-            <p:ph idx="1"/>
-          </p:nvPr>
-        </p:nvPicPr>
-        <p:blipFill>
-          <a:blip r:embed="rId2"/>
-          <a:stretch>
-            <a:fillRect/>
-          </a:stretch>
-        </p:blipFill>
-        <p:spPr>
-          <a:xfrm>
-            <a:off x="1286272" y="1966293"/>
-            <a:ext cx="6571454" cy="4452160"/>
-          </a:xfrm>
-          <a:prstGeom prst="rect">
-            <a:avLst/>
-          </a:prstGeom>
-        </p:spPr>
-      </p:pic>
       <p:sp>
         <p:nvSpPr>
           <p:cNvPr id="4" name="Slide Number Placeholder 3">
             <a:extLst>
               <a:ext uri="{FF2B5EF4-FFF2-40B4-BE49-F238E27FC236}">
-                <a16:creationId xmlns:a16="http://schemas.microsoft.com/office/drawing/2014/main" id="{CA71DB78-0371-7B82-EAED-3CB20E97DB86}"/>
+                <a16:creationId xmlns:a16="http://schemas.microsoft.com/office/drawing/2014/main" id="{AF4B5AA7-1389-6679-8E8A-0700DC97BF1E}"/>
               </a:ext>
             </a:extLst>
           </p:cNvPr>
@@ -18041,7 +18245,7 @@
         </p:nvSpPr>
         <p:spPr>
           <a:xfrm>
-            <a:off x="8778239" y="6455664"/>
+            <a:off x="8778240" y="6455664"/>
             <a:ext cx="336042" cy="365125"/>
           </a:xfrm>
         </p:spPr>
@@ -18085,10 +18289,10 @@
       </p:sp>
       <p:pic>
         <p:nvPicPr>
-          <p:cNvPr id="9" name="Picture 8">
+          <p:cNvPr id="10" name="Picture 9">
             <a:extLst>
               <a:ext uri="{FF2B5EF4-FFF2-40B4-BE49-F238E27FC236}">
-                <a16:creationId xmlns:a16="http://schemas.microsoft.com/office/drawing/2014/main" id="{6E185EE3-9303-AABA-F714-28924345171B}"/>
+                <a16:creationId xmlns:a16="http://schemas.microsoft.com/office/drawing/2014/main" id="{4FD2651D-AC16-7BA5-B225-BB4078526947}"/>
               </a:ext>
             </a:extLst>
           </p:cNvPr>
@@ -18096,7 +18300,7 @@
           <p:nvPr/>
         </p:nvPicPr>
         <p:blipFill>
-          <a:blip r:embed="rId3"/>
+          <a:blip r:embed="rId2"/>
           <a:stretch/>
         </p:blipFill>
         <p:spPr>
@@ -18110,7 +18314,43 @@
           <a:noFill/>
         </p:spPr>
       </p:pic>
+      <p:pic>
+        <p:nvPicPr>
+          <p:cNvPr id="3" name="Picture 2">
+            <a:extLst>
+              <a:ext uri="{FF2B5EF4-FFF2-40B4-BE49-F238E27FC236}">
+                <a16:creationId xmlns:a16="http://schemas.microsoft.com/office/drawing/2014/main" id="{87C18DD6-B2FA-8B03-FA56-5198DF40CFDA}"/>
+              </a:ext>
+            </a:extLst>
+          </p:cNvPr>
+          <p:cNvPicPr>
+            <a:picLocks noChangeAspect="1"/>
+          </p:cNvPicPr>
+          <p:nvPr/>
+        </p:nvPicPr>
+        <p:blipFill>
+          <a:blip r:embed="rId3"/>
+          <a:srcRect b="7114"/>
+          <a:stretch>
+            <a:fillRect/>
+          </a:stretch>
+        </p:blipFill>
+        <p:spPr>
+          <a:xfrm>
+            <a:off x="3030556" y="1"/>
+            <a:ext cx="6114355" cy="6385122"/>
+          </a:xfrm>
+          <a:prstGeom prst="rect">
+            <a:avLst/>
+          </a:prstGeom>
+        </p:spPr>
+      </p:pic>
     </p:spTree>
+    <p:extLst>
+      <p:ext uri="{BB962C8B-B14F-4D97-AF65-F5344CB8AC3E}">
+        <p14:creationId xmlns:p14="http://schemas.microsoft.com/office/powerpoint/2010/main" val="1140767633"/>
+      </p:ext>
+    </p:extLst>
   </p:cSld>
   <p:clrMapOvr>
     <a:masterClrMapping/>

--- a/docs/Sprint_A_Apresentacao_v0.pptx
+++ b/docs/Sprint_A_Apresentacao_v0.pptx
@@ -136,6 +136,97 @@
     </p:ext>
   </p:extLst>
 </p:presentation>
+</file>
+
+<file path=ppt/revisionInfo.xml><?xml version="1.0" encoding="utf-8"?>
+<p1510:revInfo xmlns:a="http://schemas.openxmlformats.org/drawingml/2006/main" xmlns:r="http://schemas.openxmlformats.org/officeDocument/2006/relationships" xmlns:p1510="http://schemas.microsoft.com/office/powerpoint/2015/10/main">
+  <p1510:revLst>
+    <p1510:client id="{6BE273F3-E72E-40AA-A817-98C20B5011C2}" v="2" dt="2025-11-28T21:27:57.499"/>
+  </p1510:revLst>
+</p1510:revInfo>
+</file>
+
+<file path=ppt/changesInfos/changesInfo1.xml><?xml version="1.0" encoding="utf-8"?>
+<pc:chgInfo xmlns:a="http://schemas.openxmlformats.org/drawingml/2006/main" xmlns:r="http://schemas.openxmlformats.org/officeDocument/2006/relationships" xmlns:ac="http://schemas.microsoft.com/office/drawing/2013/main/command" xmlns:pc="http://schemas.microsoft.com/office/powerpoint/2013/main/command">
+  <pc:docChgLst>
+    <pc:chgData name="João Francisco Ventura" userId="2b823f3e-e005-46e5-b32e-2e12a8980972" providerId="ADAL" clId="{CF83E829-C634-4ADE-AC63-0B47AE628D92}"/>
+    <pc:docChg chg="undo custSel modSld">
+      <pc:chgData name="João Francisco Ventura" userId="2b823f3e-e005-46e5-b32e-2e12a8980972" providerId="ADAL" clId="{CF83E829-C634-4ADE-AC63-0B47AE628D92}" dt="2025-11-28T21:56:18.785" v="57" actId="14100"/>
+      <pc:docMkLst>
+        <pc:docMk/>
+      </pc:docMkLst>
+      <pc:sldChg chg="addSp modSp mod">
+        <pc:chgData name="João Francisco Ventura" userId="2b823f3e-e005-46e5-b32e-2e12a8980972" providerId="ADAL" clId="{CF83E829-C634-4ADE-AC63-0B47AE628D92}" dt="2025-11-28T21:30:12.103" v="47" actId="732"/>
+        <pc:sldMkLst>
+          <pc:docMk/>
+          <pc:sldMk cId="0" sldId="258"/>
+        </pc:sldMkLst>
+        <pc:picChg chg="add mod modCrop">
+          <ac:chgData name="João Francisco Ventura" userId="2b823f3e-e005-46e5-b32e-2e12a8980972" providerId="ADAL" clId="{CF83E829-C634-4ADE-AC63-0B47AE628D92}" dt="2025-11-28T21:30:12.103" v="47" actId="732"/>
+          <ac:picMkLst>
+            <pc:docMk/>
+            <pc:sldMk cId="0" sldId="258"/>
+            <ac:picMk id="6" creationId="{C7F6E3D5-B525-1B59-9ED1-970EF36C72B1}"/>
+          </ac:picMkLst>
+        </pc:picChg>
+      </pc:sldChg>
+      <pc:sldChg chg="addSp delSp modSp mod">
+        <pc:chgData name="João Francisco Ventura" userId="2b823f3e-e005-46e5-b32e-2e12a8980972" providerId="ADAL" clId="{CF83E829-C634-4ADE-AC63-0B47AE628D92}" dt="2025-11-28T21:56:18.785" v="57" actId="14100"/>
+        <pc:sldMkLst>
+          <pc:docMk/>
+          <pc:sldMk cId="0" sldId="260"/>
+        </pc:sldMkLst>
+        <pc:spChg chg="add del mod">
+          <ac:chgData name="João Francisco Ventura" userId="2b823f3e-e005-46e5-b32e-2e12a8980972" providerId="ADAL" clId="{CF83E829-C634-4ADE-AC63-0B47AE628D92}" dt="2025-11-28T21:56:18.631" v="56" actId="22"/>
+          <ac:spMkLst>
+            <pc:docMk/>
+            <pc:sldMk cId="0" sldId="260"/>
+            <ac:spMk id="7" creationId="{9AE4C428-BF5A-9DA9-BEBF-C348619CD407}"/>
+          </ac:spMkLst>
+        </pc:spChg>
+        <pc:graphicFrameChg chg="mod">
+          <ac:chgData name="João Francisco Ventura" userId="2b823f3e-e005-46e5-b32e-2e12a8980972" providerId="ADAL" clId="{CF83E829-C634-4ADE-AC63-0B47AE628D92}" dt="2025-11-28T21:56:18.785" v="57" actId="14100"/>
+          <ac:graphicFrameMkLst>
+            <pc:docMk/>
+            <pc:sldMk cId="0" sldId="260"/>
+            <ac:graphicFrameMk id="6" creationId="{19BDD062-E420-9513-5551-941B701490A5}"/>
+          </ac:graphicFrameMkLst>
+        </pc:graphicFrameChg>
+      </pc:sldChg>
+      <pc:sldChg chg="addSp delSp modSp mod">
+        <pc:chgData name="João Francisco Ventura" userId="2b823f3e-e005-46e5-b32e-2e12a8980972" providerId="ADAL" clId="{CF83E829-C634-4ADE-AC63-0B47AE628D92}" dt="2025-11-28T21:28:44.061" v="10" actId="14100"/>
+        <pc:sldMkLst>
+          <pc:docMk/>
+          <pc:sldMk cId="4023130912" sldId="275"/>
+        </pc:sldMkLst>
+        <pc:spChg chg="mod">
+          <ac:chgData name="João Francisco Ventura" userId="2b823f3e-e005-46e5-b32e-2e12a8980972" providerId="ADAL" clId="{CF83E829-C634-4ADE-AC63-0B47AE628D92}" dt="2025-11-28T21:28:44.061" v="10" actId="14100"/>
+          <ac:spMkLst>
+            <pc:docMk/>
+            <pc:sldMk cId="4023130912" sldId="275"/>
+            <ac:spMk id="2" creationId="{C630569F-B1F3-3422-2C79-4BD6C5C92740}"/>
+          </ac:spMkLst>
+        </pc:spChg>
+        <pc:picChg chg="add mod">
+          <ac:chgData name="João Francisco Ventura" userId="2b823f3e-e005-46e5-b32e-2e12a8980972" providerId="ADAL" clId="{CF83E829-C634-4ADE-AC63-0B47AE628D92}" dt="2025-11-28T21:28:10.725" v="9" actId="1076"/>
+          <ac:picMkLst>
+            <pc:docMk/>
+            <pc:sldMk cId="4023130912" sldId="275"/>
+            <ac:picMk id="5" creationId="{F0CBFA6D-BDFA-2026-3B62-6980E74BB335}"/>
+          </ac:picMkLst>
+        </pc:picChg>
+        <pc:picChg chg="del">
+          <ac:chgData name="João Francisco Ventura" userId="2b823f3e-e005-46e5-b32e-2e12a8980972" providerId="ADAL" clId="{CF83E829-C634-4ADE-AC63-0B47AE628D92}" dt="2025-11-28T21:27:57.499" v="4" actId="478"/>
+          <ac:picMkLst>
+            <pc:docMk/>
+            <pc:sldMk cId="4023130912" sldId="275"/>
+            <ac:picMk id="2052" creationId="{20ADEBDB-F32B-B9EB-D696-6FE75BDCA33D}"/>
+          </ac:picMkLst>
+        </pc:picChg>
+      </pc:sldChg>
+    </pc:docChg>
+  </pc:docChgLst>
+</pc:chgInfo>
 </file>
 
 <file path=ppt/diagrams/colors1.xml><?xml version="1.0" encoding="utf-8"?>
@@ -2937,8 +3028,24 @@
         <a:lstStyle/>
         <a:p>
           <a:r>
-            <a:rPr lang="en-US"/>
-            <a:t>3. Executar modelo SIR</a:t>
+            <a:rPr lang="en-US" dirty="0"/>
+            <a:t>3. </a:t>
+          </a:r>
+          <a:r>
+            <a:rPr lang="en-US" dirty="0" err="1"/>
+            <a:t>Executar</a:t>
+          </a:r>
+          <a:r>
+            <a:rPr lang="en-US" dirty="0"/>
+            <a:t> </a:t>
+          </a:r>
+          <a:r>
+            <a:rPr lang="en-US" dirty="0" err="1"/>
+            <a:t>modelo</a:t>
+          </a:r>
+          <a:r>
+            <a:rPr lang="en-US" dirty="0"/>
+            <a:t> SIR</a:t>
           </a:r>
         </a:p>
       </dgm:t>
@@ -4392,8 +4499,24 @@
             <a:buNone/>
           </a:pPr>
           <a:r>
-            <a:rPr lang="en-US" sz="1300" kern="1200"/>
-            <a:t>3. Executar modelo SIR</a:t>
+            <a:rPr lang="en-US" sz="1300" kern="1200" dirty="0"/>
+            <a:t>3. </a:t>
+          </a:r>
+          <a:r>
+            <a:rPr lang="en-US" sz="1300" kern="1200" dirty="0" err="1"/>
+            <a:t>Executar</a:t>
+          </a:r>
+          <a:r>
+            <a:rPr lang="en-US" sz="1300" kern="1200" dirty="0"/>
+            <a:t> </a:t>
+          </a:r>
+          <a:r>
+            <a:rPr lang="en-US" sz="1300" kern="1200" dirty="0" err="1"/>
+            <a:t>modelo</a:t>
+          </a:r>
+          <a:r>
+            <a:rPr lang="en-US" sz="1300" kern="1200" dirty="0"/>
+            <a:t> SIR</a:t>
           </a:r>
         </a:p>
       </dsp:txBody>
@@ -14601,6 +14724,37 @@
           <a:noFill/>
         </p:spPr>
       </p:pic>
+      <p:pic>
+        <p:nvPicPr>
+          <p:cNvPr id="6" name="Picture 5">
+            <a:extLst>
+              <a:ext uri="{FF2B5EF4-FFF2-40B4-BE49-F238E27FC236}">
+                <a16:creationId xmlns:a16="http://schemas.microsoft.com/office/drawing/2014/main" id="{C7F6E3D5-B525-1B59-9ED1-970EF36C72B1}"/>
+              </a:ext>
+            </a:extLst>
+          </p:cNvPr>
+          <p:cNvPicPr>
+            <a:picLocks noChangeAspect="1"/>
+          </p:cNvPicPr>
+          <p:nvPr/>
+        </p:nvPicPr>
+        <p:blipFill>
+          <a:blip r:embed="rId3"/>
+          <a:srcRect t="1236" r="300" b="1301"/>
+          <a:stretch>
+            <a:fillRect/>
+          </a:stretch>
+        </p:blipFill>
+        <p:spPr>
+          <a:xfrm>
+            <a:off x="3035060" y="838200"/>
+            <a:ext cx="6084000" cy="5157784"/>
+          </a:xfrm>
+          <a:prstGeom prst="rect">
+            <a:avLst/>
+          </a:prstGeom>
+        </p:spPr>
+      </p:pic>
     </p:spTree>
   </p:cSld>
   <p:clrMapOvr>
@@ -15733,7 +15887,7 @@
             <p:ph idx="1"/>
             <p:extLst>
               <p:ext uri="{D42A27DB-BD31-4B8C-83A1-F6EECF244321}">
-                <p14:modId xmlns:p14="http://schemas.microsoft.com/office/powerpoint/2010/main" val="2677156726"/>
+                <p14:modId xmlns:p14="http://schemas.microsoft.com/office/powerpoint/2010/main" val="1481074133"/>
               </p:ext>
             </p:extLst>
           </p:nvPr>
@@ -16306,7 +16460,7 @@
         <p:spPr>
           <a:xfrm>
             <a:off x="495030" y="2767106"/>
-            <a:ext cx="2160621" cy="3071906"/>
+            <a:ext cx="2160621" cy="1300069"/>
           </a:xfrm>
         </p:spPr>
         <p:txBody>
@@ -16436,49 +16590,32 @@
       </p:pic>
       <p:pic>
         <p:nvPicPr>
-          <p:cNvPr id="2052" name="Picture 4">
+          <p:cNvPr id="5" name="Picture 4" descr="A screenshot of a flowchart&#10;&#10;AI-generated content may be incorrect.">
             <a:extLst>
               <a:ext uri="{FF2B5EF4-FFF2-40B4-BE49-F238E27FC236}">
-                <a16:creationId xmlns:a16="http://schemas.microsoft.com/office/drawing/2014/main" id="{20ADEBDB-F32B-B9EB-D696-6FE75BDCA33D}"/>
+                <a16:creationId xmlns:a16="http://schemas.microsoft.com/office/drawing/2014/main" id="{F0CBFA6D-BDFA-2026-3B62-6980E74BB335}"/>
               </a:ext>
             </a:extLst>
           </p:cNvPr>
           <p:cNvPicPr>
-            <a:picLocks noChangeAspect="1" noChangeArrowheads="1"/>
+            <a:picLocks noChangeAspect="1"/>
           </p:cNvPicPr>
           <p:nvPr/>
         </p:nvPicPr>
         <p:blipFill>
-          <a:blip r:embed="rId3">
-            <a:extLst>
-              <a:ext uri="{28A0092B-C50C-407E-A947-70E740481C1C}">
-                <a14:useLocalDpi xmlns:a14="http://schemas.microsoft.com/office/drawing/2010/main" val="0"/>
-              </a:ext>
-            </a:extLst>
-          </a:blip>
-          <a:srcRect/>
+          <a:blip r:embed="rId3"/>
           <a:stretch>
             <a:fillRect/>
           </a:stretch>
         </p:blipFill>
-        <p:spPr bwMode="auto">
+        <p:spPr>
           <a:xfrm>
-            <a:off x="3028951" y="8482"/>
-            <a:ext cx="6039253" cy="6858000"/>
+            <a:off x="2542954" y="182897"/>
+            <a:ext cx="6403307" cy="6320684"/>
           </a:xfrm>
           <a:prstGeom prst="rect">
             <a:avLst/>
           </a:prstGeom>
-          <a:noFill/>
-          <a:extLst>
-            <a:ext uri="{909E8E84-426E-40DD-AFC4-6F175D3DCCD1}">
-              <a14:hiddenFill xmlns:a14="http://schemas.microsoft.com/office/drawing/2010/main">
-                <a:solidFill>
-                  <a:srgbClr val="FFFFFF"/>
-                </a:solidFill>
-              </a14:hiddenFill>
-            </a:ext>
-          </a:extLst>
         </p:spPr>
       </p:pic>
     </p:spTree>

--- a/docs/Sprint_A_Apresentacao_v0.pptx
+++ b/docs/Sprint_A_Apresentacao_v0.pptx
@@ -6610,7 +6610,7 @@
           </a:r>
           <a:r>
             <a:rPr lang="en-US" dirty="0"/>
-            <a:t> (Use Cases, Modelo de </a:t>
+            <a:t> (Modelo de </a:t>
           </a:r>
           <a:r>
             <a:rPr lang="en-US" dirty="0" err="1"/>
@@ -6626,7 +6626,15 @@
           </a:r>
           <a:r>
             <a:rPr lang="en-US" dirty="0"/>
-            <a:t> de Dados).</a:t>
+            <a:t> de Dados, </a:t>
+          </a:r>
+          <a:r>
+            <a:rPr lang="en-US" dirty="0" err="1"/>
+            <a:t>fluxograma</a:t>
+          </a:r>
+          <a:r>
+            <a:rPr lang="en-US" dirty="0"/>
+            <a:t> success case).</a:t>
           </a:r>
         </a:p>
       </dgm:t>
@@ -6942,149 +6950,6 @@
         </a:p>
       </dgm:t>
     </dgm:pt>
-    <dgm:pt modelId="{399E36C1-6B9A-4800-A16D-EDABCE64B193}">
-      <dgm:prSet/>
-      <dgm:spPr/>
-      <dgm:t>
-        <a:bodyPr/>
-        <a:lstStyle/>
-        <a:p>
-          <a:r>
-            <a:rPr lang="pt-PT" dirty="0"/>
-            <a:t>Desenvolvimento do </a:t>
-          </a:r>
-          <a:r>
-            <a:rPr lang="pt-PT" b="1" dirty="0" err="1"/>
-            <a:t>backend</a:t>
-          </a:r>
-          <a:r>
-            <a:rPr lang="pt-PT" b="1" dirty="0"/>
-            <a:t> em </a:t>
-          </a:r>
-          <a:r>
-            <a:rPr lang="pt-PT" b="1" dirty="0" err="1"/>
-            <a:t>Flask</a:t>
-          </a:r>
-          <a:r>
-            <a:rPr lang="pt-PT" dirty="0"/>
-            <a:t> e definição dos </a:t>
-          </a:r>
-          <a:r>
-            <a:rPr lang="pt-PT" dirty="0" err="1"/>
-            <a:t>endpoints</a:t>
-          </a:r>
-          <a:r>
-            <a:rPr lang="pt-PT" dirty="0"/>
-            <a:t> da API.</a:t>
-          </a:r>
-          <a:endParaRPr lang="en-US" dirty="0"/>
-        </a:p>
-      </dgm:t>
-    </dgm:pt>
-    <dgm:pt modelId="{E5272140-3257-4877-823D-B63D2282970E}" type="parTrans" cxnId="{68E5538D-63AD-4FB1-8AE4-B4EACF97F639}">
-      <dgm:prSet/>
-      <dgm:spPr/>
-      <dgm:t>
-        <a:bodyPr/>
-        <a:lstStyle/>
-        <a:p>
-          <a:endParaRPr lang="en-US"/>
-        </a:p>
-      </dgm:t>
-    </dgm:pt>
-    <dgm:pt modelId="{486ADE92-9C12-40F3-81A6-81F49555185C}" type="sibTrans" cxnId="{68E5538D-63AD-4FB1-8AE4-B4EACF97F639}">
-      <dgm:prSet/>
-      <dgm:spPr/>
-      <dgm:t>
-        <a:bodyPr/>
-        <a:lstStyle/>
-        <a:p>
-          <a:endParaRPr lang="en-US"/>
-        </a:p>
-      </dgm:t>
-    </dgm:pt>
-    <dgm:pt modelId="{16821240-2098-4B87-B416-7A0253EF7617}">
-      <dgm:prSet/>
-      <dgm:spPr/>
-      <dgm:t>
-        <a:bodyPr/>
-        <a:lstStyle/>
-        <a:p>
-          <a:r>
-            <a:rPr lang="pt-PT" dirty="0"/>
-            <a:t>Implementação do </a:t>
-          </a:r>
-          <a:r>
-            <a:rPr lang="pt-PT" b="1" dirty="0"/>
-            <a:t>motor de simulação SIR</a:t>
-          </a:r>
-          <a:r>
-            <a:rPr lang="pt-PT" dirty="0"/>
-            <a:t> com base nos parâmetros definidos.</a:t>
-          </a:r>
-          <a:endParaRPr lang="en-US" dirty="0"/>
-        </a:p>
-      </dgm:t>
-    </dgm:pt>
-    <dgm:pt modelId="{04F54087-DB72-46BD-8538-B3766C367B73}" type="parTrans" cxnId="{87F1A172-63B3-4486-9568-DE2EB8153E92}">
-      <dgm:prSet/>
-      <dgm:spPr/>
-      <dgm:t>
-        <a:bodyPr/>
-        <a:lstStyle/>
-        <a:p>
-          <a:endParaRPr lang="en-US"/>
-        </a:p>
-      </dgm:t>
-    </dgm:pt>
-    <dgm:pt modelId="{46A4FCEA-98F0-44F6-8A36-666D82D0EF8D}" type="sibTrans" cxnId="{87F1A172-63B3-4486-9568-DE2EB8153E92}">
-      <dgm:prSet/>
-      <dgm:spPr/>
-      <dgm:t>
-        <a:bodyPr/>
-        <a:lstStyle/>
-        <a:p>
-          <a:endParaRPr lang="en-US"/>
-        </a:p>
-      </dgm:t>
-    </dgm:pt>
-    <dgm:pt modelId="{AD61BFA4-6C04-4CC7-9ABD-16A1CE207DC1}">
-      <dgm:prSet/>
-      <dgm:spPr/>
-      <dgm:t>
-        <a:bodyPr/>
-        <a:lstStyle/>
-        <a:p>
-          <a:r>
-            <a:rPr lang="pt-PT" dirty="0"/>
-            <a:t>Estruturar persistência e operações CRUD iniciais.</a:t>
-          </a:r>
-          <a:endParaRPr lang="en-US" dirty="0"/>
-        </a:p>
-      </dgm:t>
-    </dgm:pt>
-    <dgm:pt modelId="{763F89F6-B24C-4EFF-801C-BF56A1464B69}" type="parTrans" cxnId="{693B55F4-8053-4821-842A-EE3568E6EDBB}">
-      <dgm:prSet/>
-      <dgm:spPr/>
-      <dgm:t>
-        <a:bodyPr/>
-        <a:lstStyle/>
-        <a:p>
-          <a:endParaRPr lang="en-US"/>
-        </a:p>
-      </dgm:t>
-    </dgm:pt>
-    <dgm:pt modelId="{F157B26F-FED3-4264-9E35-CFB73E4D413B}" type="sibTrans" cxnId="{693B55F4-8053-4821-842A-EE3568E6EDBB}">
-      <dgm:prSet/>
-      <dgm:spPr/>
-      <dgm:t>
-        <a:bodyPr/>
-        <a:lstStyle/>
-        <a:p>
-          <a:endParaRPr lang="en-US"/>
-        </a:p>
-      </dgm:t>
-    </dgm:pt>
     <dgm:pt modelId="{F8572677-2E79-4CBE-A80E-02457B3AB0A4}">
       <dgm:prSet/>
       <dgm:spPr/>
@@ -7094,31 +6959,7 @@
         <a:p>
           <a:r>
             <a:rPr lang="pt-PT" dirty="0"/>
-            <a:t>Preparação do primeiro </a:t>
-          </a:r>
-          <a:r>
-            <a:rPr lang="pt-PT" dirty="0" err="1"/>
-            <a:t>mockup</a:t>
-          </a:r>
-          <a:r>
-            <a:rPr lang="pt-PT" dirty="0"/>
-            <a:t> funcional do </a:t>
-          </a:r>
-          <a:r>
-            <a:rPr lang="pt-PT" dirty="0" err="1"/>
-            <a:t>frontend</a:t>
-          </a:r>
-          <a:r>
-            <a:rPr lang="pt-PT" dirty="0"/>
-            <a:t> (</a:t>
-          </a:r>
-          <a:r>
-            <a:rPr lang="pt-PT" dirty="0" err="1"/>
-            <a:t>React</a:t>
-          </a:r>
-          <a:r>
-            <a:rPr lang="pt-PT" dirty="0"/>
-            <a:t>).</a:t>
+            <a:t>Gestão de Projeto – Organização e Documentação</a:t>
           </a:r>
           <a:endParaRPr lang="en-US" dirty="0"/>
         </a:p>
@@ -7146,7 +6987,7 @@
         </a:p>
       </dgm:t>
     </dgm:pt>
-    <dgm:pt modelId="{83B47745-1511-4072-9E91-9F95AED01736}">
+    <dgm:pt modelId="{0DB65117-65C5-4095-A8BC-047F5835C03B}">
       <dgm:prSet/>
       <dgm:spPr/>
       <dgm:t>
@@ -7155,47 +6996,102 @@
         <a:p>
           <a:r>
             <a:rPr lang="pt-PT" dirty="0"/>
-            <a:t>Validação de integração entre </a:t>
+            <a:t>UI/UX – Protótipos e Experiência do Utilizador</a:t>
           </a:r>
-          <a:r>
-            <a:rPr lang="pt-PT" dirty="0" err="1"/>
-            <a:t>backend</a:t>
-          </a:r>
-          <a:r>
-            <a:rPr lang="pt-PT" dirty="0"/>
-            <a:t> ↔ </a:t>
-          </a:r>
-          <a:r>
-            <a:rPr lang="pt-PT" dirty="0" err="1"/>
-            <a:t>frontend</a:t>
-          </a:r>
-          <a:r>
-            <a:rPr lang="pt-PT" dirty="0"/>
-            <a:t>.</a:t>
-          </a:r>
-          <a:endParaRPr lang="en-US" dirty="0"/>
         </a:p>
       </dgm:t>
     </dgm:pt>
-    <dgm:pt modelId="{2ECE791C-B125-41FF-9966-A5395836F6B5}" type="parTrans" cxnId="{E824032D-7AE8-49F9-A588-B615E1414AE5}">
+    <dgm:pt modelId="{943DCF85-2004-4BE6-8364-FA9B52415941}" type="parTrans" cxnId="{622C8988-1E8F-4A75-8911-6A6A23999903}">
       <dgm:prSet/>
       <dgm:spPr/>
       <dgm:t>
         <a:bodyPr/>
         <a:lstStyle/>
         <a:p>
-          <a:endParaRPr lang="en-US"/>
+          <a:endParaRPr lang="pt-PT"/>
         </a:p>
       </dgm:t>
     </dgm:pt>
-    <dgm:pt modelId="{66AB6213-066C-49EC-A0DB-4C23A357FCA8}" type="sibTrans" cxnId="{E824032D-7AE8-49F9-A588-B615E1414AE5}">
+    <dgm:pt modelId="{CAFBDC3C-AF2B-4494-8A0F-EF7CC3C51E22}" type="sibTrans" cxnId="{622C8988-1E8F-4A75-8911-6A6A23999903}">
       <dgm:prSet/>
       <dgm:spPr/>
       <dgm:t>
         <a:bodyPr/>
         <a:lstStyle/>
         <a:p>
-          <a:endParaRPr lang="en-US"/>
+          <a:endParaRPr lang="pt-PT"/>
+        </a:p>
+      </dgm:t>
+    </dgm:pt>
+    <dgm:pt modelId="{E01A4DB7-CA8D-4BB9-8D7F-C19B6722FEB0}">
+      <dgm:prSet/>
+      <dgm:spPr/>
+      <dgm:t>
+        <a:bodyPr/>
+        <a:lstStyle/>
+        <a:p>
+          <a:r>
+            <a:rPr lang="pt-PT" dirty="0"/>
+            <a:t>Frontend – Estrutura Inicial da Aplicação (React.js)</a:t>
+          </a:r>
+        </a:p>
+      </dgm:t>
+    </dgm:pt>
+    <dgm:pt modelId="{A5DFDBFB-A0D3-444C-B423-20AA4FD3D6D8}" type="parTrans" cxnId="{8309ADFD-9765-4F9F-B197-2B5A667E2FA9}">
+      <dgm:prSet/>
+      <dgm:spPr/>
+      <dgm:t>
+        <a:bodyPr/>
+        <a:lstStyle/>
+        <a:p>
+          <a:endParaRPr lang="pt-PT"/>
+        </a:p>
+      </dgm:t>
+    </dgm:pt>
+    <dgm:pt modelId="{61143008-F715-49B9-923F-4D52E5FCCA9D}" type="sibTrans" cxnId="{8309ADFD-9765-4F9F-B197-2B5A667E2FA9}">
+      <dgm:prSet/>
+      <dgm:spPr/>
+      <dgm:t>
+        <a:bodyPr/>
+        <a:lstStyle/>
+        <a:p>
+          <a:endParaRPr lang="pt-PT"/>
+        </a:p>
+      </dgm:t>
+    </dgm:pt>
+    <dgm:pt modelId="{E7599D5E-2631-41D7-A3F8-44774D152834}">
+      <dgm:prSet/>
+      <dgm:spPr/>
+      <dgm:t>
+        <a:bodyPr/>
+        <a:lstStyle/>
+        <a:p>
+          <a:r>
+            <a:rPr lang="pt-PT" dirty="0"/>
+            <a:t>Backend – Estrutura Base da API (Flask) e Autenticação Inicial</a:t>
+          </a:r>
+        </a:p>
+      </dgm:t>
+    </dgm:pt>
+    <dgm:pt modelId="{89F4F0FA-D44F-4D38-8617-9986CB6DE6CF}" type="parTrans" cxnId="{0883C61C-6069-48A6-8F6D-35A04806C12B}">
+      <dgm:prSet/>
+      <dgm:spPr/>
+      <dgm:t>
+        <a:bodyPr/>
+        <a:lstStyle/>
+        <a:p>
+          <a:endParaRPr lang="pt-PT"/>
+        </a:p>
+      </dgm:t>
+    </dgm:pt>
+    <dgm:pt modelId="{BC61C043-2AB6-4768-8A53-47E3D23EDFCA}" type="sibTrans" cxnId="{0883C61C-6069-48A6-8F6D-35A04806C12B}">
+      <dgm:prSet/>
+      <dgm:spPr/>
+      <dgm:t>
+        <a:bodyPr/>
+        <a:lstStyle/>
+        <a:p>
+          <a:endParaRPr lang="pt-PT"/>
         </a:p>
       </dgm:t>
     </dgm:pt>
@@ -7207,72 +7103,56 @@
       </dgm:prSet>
       <dgm:spPr/>
     </dgm:pt>
-    <dgm:pt modelId="{49E09366-EE28-4F76-90FA-B84DD8541944}" type="pres">
-      <dgm:prSet presAssocID="{399E36C1-6B9A-4800-A16D-EDABCE64B193}" presName="node" presStyleLbl="node1" presStyleIdx="0" presStyleCnt="5">
+    <dgm:pt modelId="{15754F26-A5A4-4305-9D98-530B389F2321}" type="pres">
+      <dgm:prSet presAssocID="{0DB65117-65C5-4095-A8BC-047F5835C03B}" presName="node" presStyleLbl="node1" presStyleIdx="0" presStyleCnt="4">
         <dgm:presLayoutVars>
           <dgm:bulletEnabled val="1"/>
         </dgm:presLayoutVars>
       </dgm:prSet>
       <dgm:spPr/>
     </dgm:pt>
-    <dgm:pt modelId="{2B4957F9-0417-494B-83E6-D3EFE2BB1486}" type="pres">
-      <dgm:prSet presAssocID="{486ADE92-9C12-40F3-81A6-81F49555185C}" presName="sibTrans" presStyleLbl="sibTrans2D1" presStyleIdx="0" presStyleCnt="4"/>
+    <dgm:pt modelId="{8DAD36F8-A77F-49A8-AF64-732DCDE3FD1B}" type="pres">
+      <dgm:prSet presAssocID="{CAFBDC3C-AF2B-4494-8A0F-EF7CC3C51E22}" presName="sibTrans" presStyleLbl="sibTrans2D1" presStyleIdx="0" presStyleCnt="3"/>
       <dgm:spPr/>
     </dgm:pt>
-    <dgm:pt modelId="{09C17169-1E94-456E-BB44-BDCE9D66CAB7}" type="pres">
-      <dgm:prSet presAssocID="{486ADE92-9C12-40F3-81A6-81F49555185C}" presName="connectorText" presStyleLbl="sibTrans2D1" presStyleIdx="0" presStyleCnt="4"/>
+    <dgm:pt modelId="{01448BE7-1D07-48A1-B852-9E05B139959B}" type="pres">
+      <dgm:prSet presAssocID="{CAFBDC3C-AF2B-4494-8A0F-EF7CC3C51E22}" presName="connectorText" presStyleLbl="sibTrans2D1" presStyleIdx="0" presStyleCnt="3"/>
       <dgm:spPr/>
     </dgm:pt>
-    <dgm:pt modelId="{98D8ECDB-E73B-4379-B402-ACF17D8F1C34}" type="pres">
-      <dgm:prSet presAssocID="{16821240-2098-4B87-B416-7A0253EF7617}" presName="node" presStyleLbl="node1" presStyleIdx="1" presStyleCnt="5">
+    <dgm:pt modelId="{E3DDEFFF-5E60-4ECF-A6A7-E351BD94FCB5}" type="pres">
+      <dgm:prSet presAssocID="{E01A4DB7-CA8D-4BB9-8D7F-C19B6722FEB0}" presName="node" presStyleLbl="node1" presStyleIdx="1" presStyleCnt="4">
         <dgm:presLayoutVars>
           <dgm:bulletEnabled val="1"/>
         </dgm:presLayoutVars>
       </dgm:prSet>
       <dgm:spPr/>
     </dgm:pt>
-    <dgm:pt modelId="{826AF609-2878-4EFD-AF4E-C6B6773623CA}" type="pres">
-      <dgm:prSet presAssocID="{46A4FCEA-98F0-44F6-8A36-666D82D0EF8D}" presName="sibTrans" presStyleLbl="sibTrans2D1" presStyleIdx="1" presStyleCnt="4"/>
+    <dgm:pt modelId="{006CBDA9-285C-4880-A134-30C4267DE788}" type="pres">
+      <dgm:prSet presAssocID="{61143008-F715-49B9-923F-4D52E5FCCA9D}" presName="sibTrans" presStyleLbl="sibTrans2D1" presStyleIdx="1" presStyleCnt="3"/>
       <dgm:spPr/>
     </dgm:pt>
-    <dgm:pt modelId="{C12A9C67-E501-4E01-9411-EDF9112CA573}" type="pres">
-      <dgm:prSet presAssocID="{46A4FCEA-98F0-44F6-8A36-666D82D0EF8D}" presName="connectorText" presStyleLbl="sibTrans2D1" presStyleIdx="1" presStyleCnt="4"/>
+    <dgm:pt modelId="{54676596-6B0E-4D62-B8EF-73726C14FF7F}" type="pres">
+      <dgm:prSet presAssocID="{61143008-F715-49B9-923F-4D52E5FCCA9D}" presName="connectorText" presStyleLbl="sibTrans2D1" presStyleIdx="1" presStyleCnt="3"/>
       <dgm:spPr/>
     </dgm:pt>
-    <dgm:pt modelId="{F2C12C38-6A75-4E48-90A8-E28E5F2852CB}" type="pres">
-      <dgm:prSet presAssocID="{AD61BFA4-6C04-4CC7-9ABD-16A1CE207DC1}" presName="node" presStyleLbl="node1" presStyleIdx="2" presStyleCnt="5">
+    <dgm:pt modelId="{72D60254-FAB6-4A15-9C54-32D39F127C1A}" type="pres">
+      <dgm:prSet presAssocID="{E7599D5E-2631-41D7-A3F8-44774D152834}" presName="node" presStyleLbl="node1" presStyleIdx="2" presStyleCnt="4">
         <dgm:presLayoutVars>
           <dgm:bulletEnabled val="1"/>
         </dgm:presLayoutVars>
       </dgm:prSet>
       <dgm:spPr/>
     </dgm:pt>
-    <dgm:pt modelId="{68310BA0-BD6A-4AFE-B2B3-41F088EE934E}" type="pres">
-      <dgm:prSet presAssocID="{F157B26F-FED3-4264-9E35-CFB73E4D413B}" presName="sibTrans" presStyleLbl="sibTrans2D1" presStyleIdx="2" presStyleCnt="4"/>
+    <dgm:pt modelId="{F99A388B-19C3-497E-9E9F-7C15D888B273}" type="pres">
+      <dgm:prSet presAssocID="{BC61C043-2AB6-4768-8A53-47E3D23EDFCA}" presName="sibTrans" presStyleLbl="sibTrans2D1" presStyleIdx="2" presStyleCnt="3"/>
       <dgm:spPr/>
     </dgm:pt>
-    <dgm:pt modelId="{4F600FB7-8045-47E8-A6F1-602A00933E2A}" type="pres">
-      <dgm:prSet presAssocID="{F157B26F-FED3-4264-9E35-CFB73E4D413B}" presName="connectorText" presStyleLbl="sibTrans2D1" presStyleIdx="2" presStyleCnt="4"/>
+    <dgm:pt modelId="{6797140D-62DB-47C7-A774-2307E1A7280C}" type="pres">
+      <dgm:prSet presAssocID="{BC61C043-2AB6-4768-8A53-47E3D23EDFCA}" presName="connectorText" presStyleLbl="sibTrans2D1" presStyleIdx="2" presStyleCnt="3"/>
       <dgm:spPr/>
     </dgm:pt>
     <dgm:pt modelId="{2E986A56-A8D0-4EFC-B100-EABCB474683E}" type="pres">
-      <dgm:prSet presAssocID="{F8572677-2E79-4CBE-A80E-02457B3AB0A4}" presName="node" presStyleLbl="node1" presStyleIdx="3" presStyleCnt="5">
-        <dgm:presLayoutVars>
-          <dgm:bulletEnabled val="1"/>
-        </dgm:presLayoutVars>
-      </dgm:prSet>
-      <dgm:spPr/>
-    </dgm:pt>
-    <dgm:pt modelId="{CEA09C91-30EC-4C33-A23E-D063F93E4B84}" type="pres">
-      <dgm:prSet presAssocID="{C4417AD0-92BE-4B16-AB32-FF793DF09665}" presName="sibTrans" presStyleLbl="sibTrans2D1" presStyleIdx="3" presStyleCnt="4"/>
-      <dgm:spPr/>
-    </dgm:pt>
-    <dgm:pt modelId="{42164AF5-439E-4679-8F5A-00CD36BA3A9D}" type="pres">
-      <dgm:prSet presAssocID="{C4417AD0-92BE-4B16-AB32-FF793DF09665}" presName="connectorText" presStyleLbl="sibTrans2D1" presStyleIdx="3" presStyleCnt="4"/>
-      <dgm:spPr/>
-    </dgm:pt>
-    <dgm:pt modelId="{2D34390B-C361-4D5A-B784-8A26C417D1A1}" type="pres">
-      <dgm:prSet presAssocID="{83B47745-1511-4072-9E91-9F95AED01736}" presName="node" presStyleLbl="node1" presStyleIdx="4" presStyleCnt="5">
+      <dgm:prSet presAssocID="{F8572677-2E79-4CBE-A80E-02457B3AB0A4}" presName="node" presStyleLbl="node1" presStyleIdx="3" presStyleCnt="4">
         <dgm:presLayoutVars>
           <dgm:bulletEnabled val="1"/>
         </dgm:presLayoutVars>
@@ -7281,38 +7161,31 @@
     </dgm:pt>
   </dgm:ptLst>
   <dgm:cxnLst>
-    <dgm:cxn modelId="{36093409-7DDA-406B-9060-E05171C83648}" type="presOf" srcId="{AD61BFA4-6C04-4CC7-9ABD-16A1CE207DC1}" destId="{F2C12C38-6A75-4E48-90A8-E28E5F2852CB}" srcOrd="0" destOrd="0" presId="urn:microsoft.com/office/officeart/2005/8/layout/process2"/>
-    <dgm:cxn modelId="{1CED1324-0CD9-4FE2-86FC-D1AAD6552795}" type="presOf" srcId="{486ADE92-9C12-40F3-81A6-81F49555185C}" destId="{2B4957F9-0417-494B-83E6-D3EFE2BB1486}" srcOrd="0" destOrd="0" presId="urn:microsoft.com/office/officeart/2005/8/layout/process2"/>
-    <dgm:cxn modelId="{8933E824-5212-4AA1-8A4D-3856A7FC0108}" type="presOf" srcId="{486ADE92-9C12-40F3-81A6-81F49555185C}" destId="{09C17169-1E94-456E-BB44-BDCE9D66CAB7}" srcOrd="1" destOrd="0" presId="urn:microsoft.com/office/officeart/2005/8/layout/process2"/>
-    <dgm:cxn modelId="{0B00AD26-FF63-46D5-AFC2-43FF980360B8}" type="presOf" srcId="{83B47745-1511-4072-9E91-9F95AED01736}" destId="{2D34390B-C361-4D5A-B784-8A26C417D1A1}" srcOrd="0" destOrd="0" presId="urn:microsoft.com/office/officeart/2005/8/layout/process2"/>
-    <dgm:cxn modelId="{E824032D-7AE8-49F9-A588-B615E1414AE5}" srcId="{8056FF66-0D34-43A7-86F2-BDE8336D7C26}" destId="{83B47745-1511-4072-9E91-9F95AED01736}" srcOrd="4" destOrd="0" parTransId="{2ECE791C-B125-41FF-9966-A5395836F6B5}" sibTransId="{66AB6213-066C-49EC-A0DB-4C23A357FCA8}"/>
-    <dgm:cxn modelId="{5A298330-DA98-440A-BF26-BD4CC32CAC98}" type="presOf" srcId="{16821240-2098-4B87-B416-7A0253EF7617}" destId="{98D8ECDB-E73B-4379-B402-ACF17D8F1C34}" srcOrd="0" destOrd="0" presId="urn:microsoft.com/office/officeart/2005/8/layout/process2"/>
-    <dgm:cxn modelId="{8D4C0E67-7CBA-40C8-9EF8-575990137557}" type="presOf" srcId="{F157B26F-FED3-4264-9E35-CFB73E4D413B}" destId="{68310BA0-BD6A-4AFE-B2B3-41F088EE934E}" srcOrd="0" destOrd="0" presId="urn:microsoft.com/office/officeart/2005/8/layout/process2"/>
-    <dgm:cxn modelId="{9F617771-B1DB-48E5-B452-EC69BDF58BD4}" type="presOf" srcId="{C4417AD0-92BE-4B16-AB32-FF793DF09665}" destId="{CEA09C91-30EC-4C33-A23E-D063F93E4B84}" srcOrd="0" destOrd="0" presId="urn:microsoft.com/office/officeart/2005/8/layout/process2"/>
-    <dgm:cxn modelId="{87F1A172-63B3-4486-9568-DE2EB8153E92}" srcId="{8056FF66-0D34-43A7-86F2-BDE8336D7C26}" destId="{16821240-2098-4B87-B416-7A0253EF7617}" srcOrd="1" destOrd="0" parTransId="{04F54087-DB72-46BD-8538-B3766C367B73}" sibTransId="{46A4FCEA-98F0-44F6-8A36-666D82D0EF8D}"/>
+    <dgm:cxn modelId="{0883C61C-6069-48A6-8F6D-35A04806C12B}" srcId="{8056FF66-0D34-43A7-86F2-BDE8336D7C26}" destId="{E7599D5E-2631-41D7-A3F8-44774D152834}" srcOrd="2" destOrd="0" parTransId="{89F4F0FA-D44F-4D38-8617-9986CB6DE6CF}" sibTransId="{BC61C043-2AB6-4768-8A53-47E3D23EDFCA}"/>
+    <dgm:cxn modelId="{55E5A02B-3969-464F-8975-C64BCCEEF49D}" type="presOf" srcId="{61143008-F715-49B9-923F-4D52E5FCCA9D}" destId="{54676596-6B0E-4D62-B8EF-73726C14FF7F}" srcOrd="1" destOrd="0" presId="urn:microsoft.com/office/officeart/2005/8/layout/process2"/>
+    <dgm:cxn modelId="{5B1E7E3C-56CB-4E4B-A0C6-8824974FF82B}" type="presOf" srcId="{E7599D5E-2631-41D7-A3F8-44774D152834}" destId="{72D60254-FAB6-4A15-9C54-32D39F127C1A}" srcOrd="0" destOrd="0" presId="urn:microsoft.com/office/officeart/2005/8/layout/process2"/>
+    <dgm:cxn modelId="{5C65B442-4B80-4C3C-842B-523D5C71C6CA}" type="presOf" srcId="{CAFBDC3C-AF2B-4494-8A0F-EF7CC3C51E22}" destId="{8DAD36F8-A77F-49A8-AF64-732DCDE3FD1B}" srcOrd="0" destOrd="0" presId="urn:microsoft.com/office/officeart/2005/8/layout/process2"/>
+    <dgm:cxn modelId="{E0174758-19C7-44BE-87C1-31E8D31AADEF}" type="presOf" srcId="{61143008-F715-49B9-923F-4D52E5FCCA9D}" destId="{006CBDA9-285C-4880-A134-30C4267DE788}" srcOrd="0" destOrd="0" presId="urn:microsoft.com/office/officeart/2005/8/layout/process2"/>
+    <dgm:cxn modelId="{D4B5C679-6996-4BBB-A240-4A839DFAF06A}" type="presOf" srcId="{0DB65117-65C5-4095-A8BC-047F5835C03B}" destId="{15754F26-A5A4-4305-9D98-530B389F2321}" srcOrd="0" destOrd="0" presId="urn:microsoft.com/office/officeart/2005/8/layout/process2"/>
     <dgm:cxn modelId="{B89BDA5A-8ADB-4818-B7FF-29E643239A0F}" srcId="{8056FF66-0D34-43A7-86F2-BDE8336D7C26}" destId="{F8572677-2E79-4CBE-A80E-02457B3AB0A4}" srcOrd="3" destOrd="0" parTransId="{54082998-353E-4ABA-8951-84501240918C}" sibTransId="{C4417AD0-92BE-4B16-AB32-FF793DF09665}"/>
-    <dgm:cxn modelId="{05DA397F-24D3-4DD7-9A8A-805811A0EF66}" type="presOf" srcId="{C4417AD0-92BE-4B16-AB32-FF793DF09665}" destId="{42164AF5-439E-4679-8F5A-00CD36BA3A9D}" srcOrd="1" destOrd="0" presId="urn:microsoft.com/office/officeart/2005/8/layout/process2"/>
-    <dgm:cxn modelId="{AA2AF38B-CBD5-45AA-BD73-BF44B5AAD561}" type="presOf" srcId="{46A4FCEA-98F0-44F6-8A36-666D82D0EF8D}" destId="{826AF609-2878-4EFD-AF4E-C6B6773623CA}" srcOrd="0" destOrd="0" presId="urn:microsoft.com/office/officeart/2005/8/layout/process2"/>
-    <dgm:cxn modelId="{68E5538D-63AD-4FB1-8AE4-B4EACF97F639}" srcId="{8056FF66-0D34-43A7-86F2-BDE8336D7C26}" destId="{399E36C1-6B9A-4800-A16D-EDABCE64B193}" srcOrd="0" destOrd="0" parTransId="{E5272140-3257-4877-823D-B63D2282970E}" sibTransId="{486ADE92-9C12-40F3-81A6-81F49555185C}"/>
+    <dgm:cxn modelId="{F089DD86-8C7B-4F16-8DFB-9466C60CE348}" type="presOf" srcId="{BC61C043-2AB6-4768-8A53-47E3D23EDFCA}" destId="{6797140D-62DB-47C7-A774-2307E1A7280C}" srcOrd="1" destOrd="0" presId="urn:microsoft.com/office/officeart/2005/8/layout/process2"/>
+    <dgm:cxn modelId="{622C8988-1E8F-4A75-8911-6A6A23999903}" srcId="{8056FF66-0D34-43A7-86F2-BDE8336D7C26}" destId="{0DB65117-65C5-4095-A8BC-047F5835C03B}" srcOrd="0" destOrd="0" parTransId="{943DCF85-2004-4BE6-8364-FA9B52415941}" sibTransId="{CAFBDC3C-AF2B-4494-8A0F-EF7CC3C51E22}"/>
     <dgm:cxn modelId="{3A32C593-29A4-457B-A220-69FF5287B448}" type="presOf" srcId="{F8572677-2E79-4CBE-A80E-02457B3AB0A4}" destId="{2E986A56-A8D0-4EFC-B100-EABCB474683E}" srcOrd="0" destOrd="0" presId="urn:microsoft.com/office/officeart/2005/8/layout/process2"/>
-    <dgm:cxn modelId="{5B243AC6-84ED-4C13-84D1-A153C1A7224D}" type="presOf" srcId="{46A4FCEA-98F0-44F6-8A36-666D82D0EF8D}" destId="{C12A9C67-E501-4E01-9411-EDF9112CA573}" srcOrd="1" destOrd="0" presId="urn:microsoft.com/office/officeart/2005/8/layout/process2"/>
-    <dgm:cxn modelId="{0EBABDC9-2AEF-4001-8246-7FBD87595C13}" type="presOf" srcId="{F157B26F-FED3-4264-9E35-CFB73E4D413B}" destId="{4F600FB7-8045-47E8-A6F1-602A00933E2A}" srcOrd="1" destOrd="0" presId="urn:microsoft.com/office/officeart/2005/8/layout/process2"/>
-    <dgm:cxn modelId="{369C7EE5-85FE-4175-98D5-5F61930D2633}" type="presOf" srcId="{399E36C1-6B9A-4800-A16D-EDABCE64B193}" destId="{49E09366-EE28-4F76-90FA-B84DD8541944}" srcOrd="0" destOrd="0" presId="urn:microsoft.com/office/officeart/2005/8/layout/process2"/>
-    <dgm:cxn modelId="{693B55F4-8053-4821-842A-EE3568E6EDBB}" srcId="{8056FF66-0D34-43A7-86F2-BDE8336D7C26}" destId="{AD61BFA4-6C04-4CC7-9ABD-16A1CE207DC1}" srcOrd="2" destOrd="0" parTransId="{763F89F6-B24C-4EFF-801C-BF56A1464B69}" sibTransId="{F157B26F-FED3-4264-9E35-CFB73E4D413B}"/>
+    <dgm:cxn modelId="{1700E7DE-07B8-4006-BA49-D77F767FFCE1}" type="presOf" srcId="{E01A4DB7-CA8D-4BB9-8D7F-C19B6722FEB0}" destId="{E3DDEFFF-5E60-4ECF-A6A7-E351BD94FCB5}" srcOrd="0" destOrd="0" presId="urn:microsoft.com/office/officeart/2005/8/layout/process2"/>
+    <dgm:cxn modelId="{A05BCDEE-B09C-4231-A365-26B7F4969B54}" type="presOf" srcId="{CAFBDC3C-AF2B-4494-8A0F-EF7CC3C51E22}" destId="{01448BE7-1D07-48A1-B852-9E05B139959B}" srcOrd="1" destOrd="0" presId="urn:microsoft.com/office/officeart/2005/8/layout/process2"/>
+    <dgm:cxn modelId="{6F3398F1-C18E-4642-838D-A2561DF25F4B}" type="presOf" srcId="{BC61C043-2AB6-4768-8A53-47E3D23EDFCA}" destId="{F99A388B-19C3-497E-9E9F-7C15D888B273}" srcOrd="0" destOrd="0" presId="urn:microsoft.com/office/officeart/2005/8/layout/process2"/>
     <dgm:cxn modelId="{7B660BF5-9A44-491B-9C66-AD61C72CF65F}" type="presOf" srcId="{8056FF66-0D34-43A7-86F2-BDE8336D7C26}" destId="{8838D25E-EF31-480E-9BD4-9F01C6ECA886}" srcOrd="0" destOrd="0" presId="urn:microsoft.com/office/officeart/2005/8/layout/process2"/>
-    <dgm:cxn modelId="{89EE43E6-53BD-4401-AB96-EA160C027DF8}" type="presParOf" srcId="{8838D25E-EF31-480E-9BD4-9F01C6ECA886}" destId="{49E09366-EE28-4F76-90FA-B84DD8541944}" srcOrd="0" destOrd="0" presId="urn:microsoft.com/office/officeart/2005/8/layout/process2"/>
-    <dgm:cxn modelId="{10681736-AFD2-4E37-94CD-D8473FFE2A41}" type="presParOf" srcId="{8838D25E-EF31-480E-9BD4-9F01C6ECA886}" destId="{2B4957F9-0417-494B-83E6-D3EFE2BB1486}" srcOrd="1" destOrd="0" presId="urn:microsoft.com/office/officeart/2005/8/layout/process2"/>
-    <dgm:cxn modelId="{A7FA9A76-6D24-4690-84AA-7EA00880F95C}" type="presParOf" srcId="{2B4957F9-0417-494B-83E6-D3EFE2BB1486}" destId="{09C17169-1E94-456E-BB44-BDCE9D66CAB7}" srcOrd="0" destOrd="0" presId="urn:microsoft.com/office/officeart/2005/8/layout/process2"/>
-    <dgm:cxn modelId="{A5C4E801-83AE-427F-8ACF-92A4A636E790}" type="presParOf" srcId="{8838D25E-EF31-480E-9BD4-9F01C6ECA886}" destId="{98D8ECDB-E73B-4379-B402-ACF17D8F1C34}" srcOrd="2" destOrd="0" presId="urn:microsoft.com/office/officeart/2005/8/layout/process2"/>
-    <dgm:cxn modelId="{348FAE1D-5121-4F83-A651-F62E4584E7BC}" type="presParOf" srcId="{8838D25E-EF31-480E-9BD4-9F01C6ECA886}" destId="{826AF609-2878-4EFD-AF4E-C6B6773623CA}" srcOrd="3" destOrd="0" presId="urn:microsoft.com/office/officeart/2005/8/layout/process2"/>
-    <dgm:cxn modelId="{68E48548-F80C-4183-A8FE-DC4E7E17E47B}" type="presParOf" srcId="{826AF609-2878-4EFD-AF4E-C6B6773623CA}" destId="{C12A9C67-E501-4E01-9411-EDF9112CA573}" srcOrd="0" destOrd="0" presId="urn:microsoft.com/office/officeart/2005/8/layout/process2"/>
-    <dgm:cxn modelId="{3C86DF4E-BB11-4EE5-8287-4C1CF24F4432}" type="presParOf" srcId="{8838D25E-EF31-480E-9BD4-9F01C6ECA886}" destId="{F2C12C38-6A75-4E48-90A8-E28E5F2852CB}" srcOrd="4" destOrd="0" presId="urn:microsoft.com/office/officeart/2005/8/layout/process2"/>
-    <dgm:cxn modelId="{5781828E-5089-4942-A080-6A745B38514A}" type="presParOf" srcId="{8838D25E-EF31-480E-9BD4-9F01C6ECA886}" destId="{68310BA0-BD6A-4AFE-B2B3-41F088EE934E}" srcOrd="5" destOrd="0" presId="urn:microsoft.com/office/officeart/2005/8/layout/process2"/>
-    <dgm:cxn modelId="{C2650861-56B2-4FEE-881D-80E3B375C664}" type="presParOf" srcId="{68310BA0-BD6A-4AFE-B2B3-41F088EE934E}" destId="{4F600FB7-8045-47E8-A6F1-602A00933E2A}" srcOrd="0" destOrd="0" presId="urn:microsoft.com/office/officeart/2005/8/layout/process2"/>
+    <dgm:cxn modelId="{8309ADFD-9765-4F9F-B197-2B5A667E2FA9}" srcId="{8056FF66-0D34-43A7-86F2-BDE8336D7C26}" destId="{E01A4DB7-CA8D-4BB9-8D7F-C19B6722FEB0}" srcOrd="1" destOrd="0" parTransId="{A5DFDBFB-A0D3-444C-B423-20AA4FD3D6D8}" sibTransId="{61143008-F715-49B9-923F-4D52E5FCCA9D}"/>
+    <dgm:cxn modelId="{6CECF33C-8113-467B-9387-FDCA7BBCFFB6}" type="presParOf" srcId="{8838D25E-EF31-480E-9BD4-9F01C6ECA886}" destId="{15754F26-A5A4-4305-9D98-530B389F2321}" srcOrd="0" destOrd="0" presId="urn:microsoft.com/office/officeart/2005/8/layout/process2"/>
+    <dgm:cxn modelId="{90B9540F-6B2D-4026-8DB3-EA06C13449D7}" type="presParOf" srcId="{8838D25E-EF31-480E-9BD4-9F01C6ECA886}" destId="{8DAD36F8-A77F-49A8-AF64-732DCDE3FD1B}" srcOrd="1" destOrd="0" presId="urn:microsoft.com/office/officeart/2005/8/layout/process2"/>
+    <dgm:cxn modelId="{D9093959-0132-4BBA-A66E-A6AAE311090D}" type="presParOf" srcId="{8DAD36F8-A77F-49A8-AF64-732DCDE3FD1B}" destId="{01448BE7-1D07-48A1-B852-9E05B139959B}" srcOrd="0" destOrd="0" presId="urn:microsoft.com/office/officeart/2005/8/layout/process2"/>
+    <dgm:cxn modelId="{5E5D8EE6-77E8-439A-955B-0971423E7190}" type="presParOf" srcId="{8838D25E-EF31-480E-9BD4-9F01C6ECA886}" destId="{E3DDEFFF-5E60-4ECF-A6A7-E351BD94FCB5}" srcOrd="2" destOrd="0" presId="urn:microsoft.com/office/officeart/2005/8/layout/process2"/>
+    <dgm:cxn modelId="{DEDEE228-4CF9-440B-A5A6-4C7636A47980}" type="presParOf" srcId="{8838D25E-EF31-480E-9BD4-9F01C6ECA886}" destId="{006CBDA9-285C-4880-A134-30C4267DE788}" srcOrd="3" destOrd="0" presId="urn:microsoft.com/office/officeart/2005/8/layout/process2"/>
+    <dgm:cxn modelId="{0C913ED5-AB7B-4CD5-BF7A-0CB472607D4E}" type="presParOf" srcId="{006CBDA9-285C-4880-A134-30C4267DE788}" destId="{54676596-6B0E-4D62-B8EF-73726C14FF7F}" srcOrd="0" destOrd="0" presId="urn:microsoft.com/office/officeart/2005/8/layout/process2"/>
+    <dgm:cxn modelId="{D0978093-7705-4FDA-9D2D-24E0D434A80D}" type="presParOf" srcId="{8838D25E-EF31-480E-9BD4-9F01C6ECA886}" destId="{72D60254-FAB6-4A15-9C54-32D39F127C1A}" srcOrd="4" destOrd="0" presId="urn:microsoft.com/office/officeart/2005/8/layout/process2"/>
+    <dgm:cxn modelId="{E8ECD30A-1399-4E12-8357-C30361623928}" type="presParOf" srcId="{8838D25E-EF31-480E-9BD4-9F01C6ECA886}" destId="{F99A388B-19C3-497E-9E9F-7C15D888B273}" srcOrd="5" destOrd="0" presId="urn:microsoft.com/office/officeart/2005/8/layout/process2"/>
+    <dgm:cxn modelId="{FF0634E5-53BB-43F6-9404-0F8A7668E931}" type="presParOf" srcId="{F99A388B-19C3-497E-9E9F-7C15D888B273}" destId="{6797140D-62DB-47C7-A774-2307E1A7280C}" srcOrd="0" destOrd="0" presId="urn:microsoft.com/office/officeart/2005/8/layout/process2"/>
     <dgm:cxn modelId="{D7FC3334-85CB-41B1-912D-4C12D1DA24DC}" type="presParOf" srcId="{8838D25E-EF31-480E-9BD4-9F01C6ECA886}" destId="{2E986A56-A8D0-4EFC-B100-EABCB474683E}" srcOrd="6" destOrd="0" presId="urn:microsoft.com/office/officeart/2005/8/layout/process2"/>
-    <dgm:cxn modelId="{F9631B7D-A213-4103-AB5F-C4471C1A0164}" type="presParOf" srcId="{8838D25E-EF31-480E-9BD4-9F01C6ECA886}" destId="{CEA09C91-30EC-4C33-A23E-D063F93E4B84}" srcOrd="7" destOrd="0" presId="urn:microsoft.com/office/officeart/2005/8/layout/process2"/>
-    <dgm:cxn modelId="{1058A131-FECA-4D60-A199-F0FFCB127984}" type="presParOf" srcId="{CEA09C91-30EC-4C33-A23E-D063F93E4B84}" destId="{42164AF5-439E-4679-8F5A-00CD36BA3A9D}" srcOrd="0" destOrd="0" presId="urn:microsoft.com/office/officeart/2005/8/layout/process2"/>
-    <dgm:cxn modelId="{5E3A877B-05A3-46CF-99DE-E6887A31607B}" type="presParOf" srcId="{8838D25E-EF31-480E-9BD4-9F01C6ECA886}" destId="{2D34390B-C361-4D5A-B784-8A26C417D1A1}" srcOrd="8" destOrd="0" presId="urn:microsoft.com/office/officeart/2005/8/layout/process2"/>
   </dgm:cxnLst>
   <dgm:bg>
     <a:noFill/>
@@ -9983,8 +9856,8 @@
       </dsp:nvSpPr>
       <dsp:spPr>
         <a:xfrm>
-          <a:off x="79327" y="637"/>
-          <a:ext cx="2567162" cy="745963"/>
+          <a:off x="358189" y="637"/>
+          <a:ext cx="2009438" cy="745963"/>
         </a:xfrm>
         <a:prstGeom prst="roundRect">
           <a:avLst>
@@ -10044,12 +9917,12 @@
         </a:fontRef>
       </dsp:style>
       <dsp:txBody>
-        <a:bodyPr spcFirstLastPara="0" vert="horz" wrap="square" lIns="45720" tIns="45720" rIns="45720" bIns="45720" numCol="1" spcCol="1270" anchor="ctr" anchorCtr="0">
+        <a:bodyPr spcFirstLastPara="0" vert="horz" wrap="square" lIns="41910" tIns="41910" rIns="41910" bIns="41910" numCol="1" spcCol="1270" anchor="ctr" anchorCtr="0">
           <a:noAutofit/>
         </a:bodyPr>
         <a:lstStyle/>
         <a:p>
-          <a:pPr marL="0" lvl="0" indent="0" algn="ctr" defTabSz="533400">
+          <a:pPr marL="0" lvl="0" indent="0" algn="ctr" defTabSz="488950">
             <a:lnSpc>
               <a:spcPct val="90000"/>
             </a:lnSpc>
@@ -10062,58 +9935,58 @@
             <a:buNone/>
           </a:pPr>
           <a:r>
-            <a:rPr lang="en-US" sz="1200" kern="1200" dirty="0" err="1"/>
+            <a:rPr lang="en-US" sz="1100" kern="1200" dirty="0" err="1"/>
             <a:t>Os</a:t>
           </a:r>
           <a:r>
-            <a:rPr lang="en-US" sz="1200" kern="1200" dirty="0"/>
+            <a:rPr lang="en-US" sz="1100" kern="1200" dirty="0"/>
             <a:t> </a:t>
           </a:r>
           <a:r>
-            <a:rPr lang="en-US" sz="1200" kern="1200" dirty="0" err="1"/>
+            <a:rPr lang="en-US" sz="1100" kern="1200" dirty="0" err="1"/>
             <a:t>artefactos</a:t>
           </a:r>
           <a:r>
-            <a:rPr lang="en-US" sz="1200" kern="1200" dirty="0"/>
+            <a:rPr lang="en-US" sz="1100" kern="1200" dirty="0"/>
             <a:t> de </a:t>
           </a:r>
           <a:r>
-            <a:rPr lang="en-US" sz="1200" kern="1200" dirty="0" err="1"/>
+            <a:rPr lang="en-US" sz="1100" kern="1200" dirty="0" err="1"/>
             <a:t>modelação</a:t>
           </a:r>
           <a:r>
-            <a:rPr lang="en-US" sz="1200" kern="1200" dirty="0"/>
+            <a:rPr lang="en-US" sz="1100" kern="1200" dirty="0"/>
             <a:t> </a:t>
           </a:r>
           <a:r>
-            <a:rPr lang="en-US" sz="1200" kern="1200" dirty="0" err="1"/>
+            <a:rPr lang="en-US" sz="1100" kern="1200" dirty="0" err="1"/>
             <a:t>foram</a:t>
           </a:r>
           <a:r>
-            <a:rPr lang="en-US" sz="1200" kern="1200" dirty="0"/>
+            <a:rPr lang="en-US" sz="1100" kern="1200" dirty="0"/>
             <a:t> </a:t>
           </a:r>
           <a:r>
-            <a:rPr lang="en-US" sz="1200" kern="1200" dirty="0" err="1"/>
+            <a:rPr lang="en-US" sz="1100" kern="1200" dirty="0" err="1"/>
             <a:t>concluídos</a:t>
           </a:r>
           <a:r>
-            <a:rPr lang="en-US" sz="1200" kern="1200" dirty="0"/>
+            <a:rPr lang="en-US" sz="1100" kern="1200" dirty="0"/>
             <a:t> com </a:t>
           </a:r>
           <a:r>
-            <a:rPr lang="en-US" sz="1200" kern="1200" dirty="0" err="1"/>
+            <a:rPr lang="en-US" sz="1100" kern="1200" dirty="0" err="1"/>
             <a:t>sucesso</a:t>
           </a:r>
           <a:r>
-            <a:rPr lang="en-US" sz="1200" kern="1200" dirty="0"/>
+            <a:rPr lang="en-US" sz="1100" kern="1200" dirty="0"/>
             <a:t>.</a:t>
           </a:r>
         </a:p>
       </dsp:txBody>
       <dsp:txXfrm>
-        <a:off x="101176" y="22486"/>
-        <a:ext cx="2523464" cy="702265"/>
+        <a:off x="380038" y="22486"/>
+        <a:ext cx="1965740" cy="702265"/>
       </dsp:txXfrm>
     </dsp:sp>
     <dsp:sp modelId="{2B4957F9-0417-494B-83E6-D3EFE2BB1486}">
@@ -10192,7 +10065,7 @@
         </a:bodyPr>
         <a:lstStyle/>
         <a:p>
-          <a:pPr marL="0" lvl="0" indent="0" algn="ctr" defTabSz="444500">
+          <a:pPr marL="0" lvl="0" indent="0" algn="ctr" defTabSz="400050">
             <a:lnSpc>
               <a:spcPct val="90000"/>
             </a:lnSpc>
@@ -10204,7 +10077,7 @@
             </a:spcAft>
             <a:buNone/>
           </a:pPr>
-          <a:endParaRPr lang="en-US" sz="1000" kern="1200"/>
+          <a:endParaRPr lang="en-US" sz="900" kern="1200"/>
         </a:p>
       </dsp:txBody>
       <dsp:txXfrm rot="-5400000">
@@ -10219,8 +10092,8 @@
       </dsp:nvSpPr>
       <dsp:spPr>
         <a:xfrm>
-          <a:off x="79327" y="1119582"/>
-          <a:ext cx="2567162" cy="745963"/>
+          <a:off x="358189" y="1119582"/>
+          <a:ext cx="2009438" cy="745963"/>
         </a:xfrm>
         <a:prstGeom prst="roundRect">
           <a:avLst>
@@ -10280,12 +10153,12 @@
         </a:fontRef>
       </dsp:style>
       <dsp:txBody>
-        <a:bodyPr spcFirstLastPara="0" vert="horz" wrap="square" lIns="45720" tIns="45720" rIns="45720" bIns="45720" numCol="1" spcCol="1270" anchor="ctr" anchorCtr="0">
+        <a:bodyPr spcFirstLastPara="0" vert="horz" wrap="square" lIns="41910" tIns="41910" rIns="41910" bIns="41910" numCol="1" spcCol="1270" anchor="ctr" anchorCtr="0">
           <a:noAutofit/>
         </a:bodyPr>
         <a:lstStyle/>
         <a:p>
-          <a:pPr marL="0" lvl="0" indent="0" algn="ctr" defTabSz="533400">
+          <a:pPr marL="0" lvl="0" indent="0" algn="ctr" defTabSz="488950">
             <a:lnSpc>
               <a:spcPct val="90000"/>
             </a:lnSpc>
@@ -10298,70 +10171,78 @@
             <a:buNone/>
           </a:pPr>
           <a:r>
-            <a:rPr lang="en-US" sz="1200" kern="1200" dirty="0"/>
+            <a:rPr lang="en-US" sz="1100" kern="1200" dirty="0"/>
             <a:t>O </a:t>
           </a:r>
           <a:r>
-            <a:rPr lang="en-US" sz="1200" kern="1200" dirty="0" err="1"/>
+            <a:rPr lang="en-US" sz="1100" kern="1200" dirty="0" err="1"/>
             <a:t>domínio</a:t>
           </a:r>
           <a:r>
-            <a:rPr lang="en-US" sz="1200" kern="1200" dirty="0"/>
+            <a:rPr lang="en-US" sz="1100" kern="1200" dirty="0"/>
             <a:t> do </a:t>
           </a:r>
           <a:r>
-            <a:rPr lang="en-US" sz="1200" kern="1200" dirty="0" err="1"/>
+            <a:rPr lang="en-US" sz="1100" kern="1200" dirty="0" err="1"/>
             <a:t>sistema</a:t>
           </a:r>
           <a:r>
-            <a:rPr lang="en-US" sz="1200" kern="1200" dirty="0"/>
+            <a:rPr lang="en-US" sz="1100" kern="1200" dirty="0"/>
             <a:t> </a:t>
           </a:r>
           <a:r>
-            <a:rPr lang="en-US" sz="1200" kern="1200" dirty="0" err="1"/>
+            <a:rPr lang="en-US" sz="1100" kern="1200" dirty="0" err="1"/>
             <a:t>ficou</a:t>
           </a:r>
           <a:r>
-            <a:rPr lang="en-US" sz="1200" kern="1200" dirty="0"/>
+            <a:rPr lang="en-US" sz="1100" kern="1200" dirty="0"/>
             <a:t> </a:t>
           </a:r>
           <a:r>
-            <a:rPr lang="en-US" sz="1200" kern="1200" dirty="0" err="1"/>
+            <a:rPr lang="en-US" sz="1100" kern="1200" dirty="0" err="1"/>
             <a:t>totalmente</a:t>
           </a:r>
           <a:r>
-            <a:rPr lang="en-US" sz="1200" kern="1200" dirty="0"/>
+            <a:rPr lang="en-US" sz="1100" kern="1200" dirty="0"/>
             <a:t> </a:t>
           </a:r>
           <a:r>
-            <a:rPr lang="en-US" sz="1200" kern="1200" dirty="0" err="1"/>
+            <a:rPr lang="en-US" sz="1100" kern="1200" dirty="0" err="1"/>
             <a:t>definido</a:t>
           </a:r>
           <a:r>
-            <a:rPr lang="en-US" sz="1200" kern="1200" dirty="0"/>
-            <a:t> (Use Cases, Modelo de </a:t>
+            <a:rPr lang="en-US" sz="1100" kern="1200" dirty="0"/>
+            <a:t> (Modelo de </a:t>
           </a:r>
           <a:r>
-            <a:rPr lang="en-US" sz="1200" kern="1200" dirty="0" err="1"/>
+            <a:rPr lang="en-US" sz="1100" kern="1200" dirty="0" err="1"/>
             <a:t>Domínio</a:t>
           </a:r>
           <a:r>
-            <a:rPr lang="en-US" sz="1200" kern="1200" dirty="0"/>
+            <a:rPr lang="en-US" sz="1100" kern="1200" dirty="0"/>
             <a:t>, ERD, </a:t>
           </a:r>
           <a:r>
-            <a:rPr lang="en-US" sz="1200" kern="1200" dirty="0" err="1"/>
+            <a:rPr lang="en-US" sz="1100" kern="1200" dirty="0" err="1"/>
             <a:t>Dicionário</a:t>
           </a:r>
           <a:r>
-            <a:rPr lang="en-US" sz="1200" kern="1200" dirty="0"/>
-            <a:t> de Dados).</a:t>
+            <a:rPr lang="en-US" sz="1100" kern="1200" dirty="0"/>
+            <a:t> de Dados, </a:t>
+          </a:r>
+          <a:r>
+            <a:rPr lang="en-US" sz="1100" kern="1200" dirty="0" err="1"/>
+            <a:t>fluxograma</a:t>
+          </a:r>
+          <a:r>
+            <a:rPr lang="en-US" sz="1100" kern="1200" dirty="0"/>
+            <a:t> success case).</a:t>
           </a:r>
         </a:p>
       </dsp:txBody>
       <dsp:txXfrm>
-        <a:off x="101176" y="1141431"/>
-        <a:ext cx="2523464" cy="702265"/>
+        <a:off x="380038" y="1141431"/>
+        <a:ext cx="1965740" cy="702265"/>
       </dsp:txXfrm>
     </dsp:sp>
     <dsp:sp modelId="{826AF609-2878-4EFD-AF4E-C6B6773623CA}">
@@ -10440,7 +10321,7 @@
         </a:bodyPr>
         <a:lstStyle/>
         <a:p>
-          <a:pPr marL="0" lvl="0" indent="0" algn="ctr" defTabSz="444500">
+          <a:pPr marL="0" lvl="0" indent="0" algn="ctr" defTabSz="400050">
             <a:lnSpc>
               <a:spcPct val="90000"/>
             </a:lnSpc>
@@ -10452,7 +10333,7 @@
             </a:spcAft>
             <a:buNone/>
           </a:pPr>
-          <a:endParaRPr lang="en-US" sz="1000" kern="1200"/>
+          <a:endParaRPr lang="en-US" sz="900" kern="1200"/>
         </a:p>
       </dsp:txBody>
       <dsp:txXfrm rot="-5400000">
@@ -10467,8 +10348,8 @@
       </dsp:nvSpPr>
       <dsp:spPr>
         <a:xfrm>
-          <a:off x="79327" y="2238527"/>
-          <a:ext cx="2567162" cy="745963"/>
+          <a:off x="358189" y="2238527"/>
+          <a:ext cx="2009438" cy="745963"/>
         </a:xfrm>
         <a:prstGeom prst="roundRect">
           <a:avLst>
@@ -10528,12 +10409,12 @@
         </a:fontRef>
       </dsp:style>
       <dsp:txBody>
-        <a:bodyPr spcFirstLastPara="0" vert="horz" wrap="square" lIns="45720" tIns="45720" rIns="45720" bIns="45720" numCol="1" spcCol="1270" anchor="ctr" anchorCtr="0">
+        <a:bodyPr spcFirstLastPara="0" vert="horz" wrap="square" lIns="41910" tIns="41910" rIns="41910" bIns="41910" numCol="1" spcCol="1270" anchor="ctr" anchorCtr="0">
           <a:noAutofit/>
         </a:bodyPr>
         <a:lstStyle/>
         <a:p>
-          <a:pPr marL="0" lvl="0" indent="0" algn="ctr" defTabSz="533400">
+          <a:pPr marL="0" lvl="0" indent="0" algn="ctr" defTabSz="488950">
             <a:lnSpc>
               <a:spcPct val="90000"/>
             </a:lnSpc>
@@ -10546,54 +10427,54 @@
             <a:buNone/>
           </a:pPr>
           <a:r>
-            <a:rPr lang="en-US" sz="1200" kern="1200" dirty="0"/>
+            <a:rPr lang="en-US" sz="1100" kern="1200" dirty="0"/>
             <a:t>O </a:t>
           </a:r>
           <a:r>
-            <a:rPr lang="en-US" sz="1200" kern="1200" dirty="0" err="1"/>
+            <a:rPr lang="en-US" sz="1100" kern="1200" dirty="0" err="1"/>
             <a:t>repositório</a:t>
           </a:r>
           <a:r>
-            <a:rPr lang="en-US" sz="1200" kern="1200" dirty="0"/>
+            <a:rPr lang="en-US" sz="1100" kern="1200" dirty="0"/>
             <a:t> GitHub </a:t>
           </a:r>
           <a:r>
-            <a:rPr lang="en-US" sz="1200" kern="1200" dirty="0" err="1"/>
+            <a:rPr lang="en-US" sz="1100" kern="1200" dirty="0" err="1"/>
             <a:t>foi</a:t>
           </a:r>
           <a:r>
-            <a:rPr lang="en-US" sz="1200" kern="1200" dirty="0"/>
+            <a:rPr lang="en-US" sz="1100" kern="1200" dirty="0"/>
             <a:t> </a:t>
           </a:r>
           <a:r>
-            <a:rPr lang="en-US" sz="1200" kern="1200" dirty="0" err="1"/>
+            <a:rPr lang="en-US" sz="1100" kern="1200" dirty="0" err="1"/>
             <a:t>preparado</a:t>
           </a:r>
           <a:r>
-            <a:rPr lang="en-US" sz="1200" kern="1200" dirty="0"/>
+            <a:rPr lang="en-US" sz="1100" kern="1200" dirty="0"/>
             <a:t> para o </a:t>
           </a:r>
           <a:r>
-            <a:rPr lang="en-US" sz="1200" kern="1200" dirty="0" err="1"/>
+            <a:rPr lang="en-US" sz="1100" kern="1200" dirty="0" err="1"/>
             <a:t>desenvolvimento</a:t>
           </a:r>
           <a:r>
-            <a:rPr lang="en-US" sz="1200" kern="1200" dirty="0"/>
+            <a:rPr lang="en-US" sz="1100" kern="1200" dirty="0"/>
             <a:t> </a:t>
           </a:r>
           <a:r>
-            <a:rPr lang="en-US" sz="1200" kern="1200" dirty="0" err="1"/>
+            <a:rPr lang="en-US" sz="1100" kern="1200" dirty="0" err="1"/>
             <a:t>colaborativo</a:t>
           </a:r>
           <a:r>
-            <a:rPr lang="en-US" sz="1200" kern="1200" dirty="0"/>
+            <a:rPr lang="en-US" sz="1100" kern="1200" dirty="0"/>
             <a:t>.</a:t>
           </a:r>
         </a:p>
       </dsp:txBody>
       <dsp:txXfrm>
-        <a:off x="101176" y="2260376"/>
-        <a:ext cx="2523464" cy="702265"/>
+        <a:off x="380038" y="2260376"/>
+        <a:ext cx="1965740" cy="702265"/>
       </dsp:txXfrm>
     </dsp:sp>
     <dsp:sp modelId="{68310BA0-BD6A-4AFE-B2B3-41F088EE934E}">
@@ -10672,7 +10553,7 @@
         </a:bodyPr>
         <a:lstStyle/>
         <a:p>
-          <a:pPr marL="0" lvl="0" indent="0" algn="ctr" defTabSz="444500">
+          <a:pPr marL="0" lvl="0" indent="0" algn="ctr" defTabSz="400050">
             <a:lnSpc>
               <a:spcPct val="90000"/>
             </a:lnSpc>
@@ -10684,7 +10565,7 @@
             </a:spcAft>
             <a:buNone/>
           </a:pPr>
-          <a:endParaRPr lang="en-US" sz="1000" kern="1200"/>
+          <a:endParaRPr lang="en-US" sz="900" kern="1200"/>
         </a:p>
       </dsp:txBody>
       <dsp:txXfrm rot="-5400000">
@@ -10699,8 +10580,8 @@
       </dsp:nvSpPr>
       <dsp:spPr>
         <a:xfrm>
-          <a:off x="79327" y="3357472"/>
-          <a:ext cx="2567162" cy="745963"/>
+          <a:off x="358189" y="3357472"/>
+          <a:ext cx="2009438" cy="745963"/>
         </a:xfrm>
         <a:prstGeom prst="roundRect">
           <a:avLst>
@@ -10760,12 +10641,12 @@
         </a:fontRef>
       </dsp:style>
       <dsp:txBody>
-        <a:bodyPr spcFirstLastPara="0" vert="horz" wrap="square" lIns="45720" tIns="45720" rIns="45720" bIns="45720" numCol="1" spcCol="1270" anchor="ctr" anchorCtr="0">
+        <a:bodyPr spcFirstLastPara="0" vert="horz" wrap="square" lIns="41910" tIns="41910" rIns="41910" bIns="41910" numCol="1" spcCol="1270" anchor="ctr" anchorCtr="0">
           <a:noAutofit/>
         </a:bodyPr>
         <a:lstStyle/>
         <a:p>
-          <a:pPr marL="0" lvl="0" indent="0" algn="ctr" defTabSz="533400">
+          <a:pPr marL="0" lvl="0" indent="0" algn="ctr" defTabSz="488950">
             <a:lnSpc>
               <a:spcPct val="90000"/>
             </a:lnSpc>
@@ -10778,14 +10659,14 @@
             <a:buNone/>
           </a:pPr>
           <a:r>
-            <a:rPr lang="en-US" sz="1200" kern="1200"/>
+            <a:rPr lang="en-US" sz="1100" kern="1200"/>
             <a:t>A equipa demonstrou boa capacidade de organização e divisão de tarefas.</a:t>
           </a:r>
         </a:p>
       </dsp:txBody>
       <dsp:txXfrm>
-        <a:off x="101176" y="3379321"/>
-        <a:ext cx="2523464" cy="702265"/>
+        <a:off x="380038" y="3379321"/>
+        <a:ext cx="1965740" cy="702265"/>
       </dsp:txXfrm>
     </dsp:sp>
     <dsp:sp modelId="{CEA09C91-30EC-4C33-A23E-D063F93E4B84}">
@@ -10864,7 +10745,7 @@
         </a:bodyPr>
         <a:lstStyle/>
         <a:p>
-          <a:pPr marL="0" lvl="0" indent="0" algn="ctr" defTabSz="444500">
+          <a:pPr marL="0" lvl="0" indent="0" algn="ctr" defTabSz="400050">
             <a:lnSpc>
               <a:spcPct val="90000"/>
             </a:lnSpc>
@@ -10876,7 +10757,7 @@
             </a:spcAft>
             <a:buNone/>
           </a:pPr>
-          <a:endParaRPr lang="en-US" sz="1000" kern="1200"/>
+          <a:endParaRPr lang="en-US" sz="900" kern="1200"/>
         </a:p>
       </dsp:txBody>
       <dsp:txXfrm rot="-5400000">
@@ -10891,8 +10772,8 @@
       </dsp:nvSpPr>
       <dsp:spPr>
         <a:xfrm>
-          <a:off x="79327" y="4476417"/>
-          <a:ext cx="2567162" cy="745963"/>
+          <a:off x="358189" y="4476417"/>
+          <a:ext cx="2009438" cy="745963"/>
         </a:xfrm>
         <a:prstGeom prst="roundRect">
           <a:avLst>
@@ -10952,12 +10833,12 @@
         </a:fontRef>
       </dsp:style>
       <dsp:txBody>
-        <a:bodyPr spcFirstLastPara="0" vert="horz" wrap="square" lIns="45720" tIns="45720" rIns="45720" bIns="45720" numCol="1" spcCol="1270" anchor="ctr" anchorCtr="0">
+        <a:bodyPr spcFirstLastPara="0" vert="horz" wrap="square" lIns="41910" tIns="41910" rIns="41910" bIns="41910" numCol="1" spcCol="1270" anchor="ctr" anchorCtr="0">
           <a:noAutofit/>
         </a:bodyPr>
         <a:lstStyle/>
         <a:p>
-          <a:pPr marL="0" lvl="0" indent="0" algn="ctr" defTabSz="533400">
+          <a:pPr marL="0" lvl="0" indent="0" algn="ctr" defTabSz="488950">
             <a:lnSpc>
               <a:spcPct val="90000"/>
             </a:lnSpc>
@@ -10970,14 +10851,14 @@
             <a:buNone/>
           </a:pPr>
           <a:r>
-            <a:rPr lang="en-US" sz="1200" kern="1200"/>
+            <a:rPr lang="en-US" sz="1100" kern="1200"/>
             <a:t>A arquitetura base do sistema está pronta para avançar para implementação.</a:t>
           </a:r>
         </a:p>
       </dsp:txBody>
       <dsp:txXfrm>
-        <a:off x="101176" y="4498266"/>
-        <a:ext cx="2523464" cy="702265"/>
+        <a:off x="380038" y="4498266"/>
+        <a:ext cx="1965740" cy="702265"/>
       </dsp:txXfrm>
     </dsp:sp>
   </dsp:spTree>
@@ -10992,15 +10873,15 @@
       <dsp:cNvGrpSpPr/>
     </dsp:nvGrpSpPr>
     <dsp:grpSpPr/>
-    <dsp:sp modelId="{49E09366-EE28-4F76-90FA-B84DD8541944}">
+    <dsp:sp modelId="{15754F26-A5A4-4305-9D98-530B389F2321}">
       <dsp:nvSpPr>
         <dsp:cNvPr id="0" name=""/>
         <dsp:cNvSpPr/>
       </dsp:nvSpPr>
       <dsp:spPr>
         <a:xfrm>
-          <a:off x="334374" y="637"/>
-          <a:ext cx="2317148" cy="745963"/>
+          <a:off x="424837" y="2550"/>
+          <a:ext cx="2136223" cy="948712"/>
         </a:xfrm>
         <a:prstGeom prst="roundRect">
           <a:avLst>
@@ -11060,12 +10941,12 @@
         </a:fontRef>
       </dsp:style>
       <dsp:txBody>
-        <a:bodyPr spcFirstLastPara="0" vert="horz" wrap="square" lIns="53340" tIns="53340" rIns="53340" bIns="53340" numCol="1" spcCol="1270" anchor="ctr" anchorCtr="0">
+        <a:bodyPr spcFirstLastPara="0" vert="horz" wrap="square" lIns="68580" tIns="68580" rIns="68580" bIns="68580" numCol="1" spcCol="1270" anchor="ctr" anchorCtr="0">
           <a:noAutofit/>
         </a:bodyPr>
         <a:lstStyle/>
         <a:p>
-          <a:pPr marL="0" lvl="0" indent="0" algn="ctr" defTabSz="622300">
+          <a:pPr marL="0" lvl="0" indent="0" algn="ctr" defTabSz="800100">
             <a:lnSpc>
               <a:spcPct val="90000"/>
             </a:lnSpc>
@@ -11078,50 +10959,25 @@
             <a:buNone/>
           </a:pPr>
           <a:r>
-            <a:rPr lang="pt-PT" sz="1400" kern="1200" dirty="0"/>
-            <a:t>Desenvolvimento do </a:t>
+            <a:rPr lang="pt-PT" sz="1800" kern="1200" dirty="0"/>
+            <a:t>UI/UX – Protótipos e Experiência do Utilizador</a:t>
           </a:r>
-          <a:r>
-            <a:rPr lang="pt-PT" sz="1400" b="1" kern="1200" dirty="0" err="1"/>
-            <a:t>backend</a:t>
-          </a:r>
-          <a:r>
-            <a:rPr lang="pt-PT" sz="1400" b="1" kern="1200" dirty="0"/>
-            <a:t> em </a:t>
-          </a:r>
-          <a:r>
-            <a:rPr lang="pt-PT" sz="1400" b="1" kern="1200" dirty="0" err="1"/>
-            <a:t>Flask</a:t>
-          </a:r>
-          <a:r>
-            <a:rPr lang="pt-PT" sz="1400" kern="1200" dirty="0"/>
-            <a:t> e definição dos </a:t>
-          </a:r>
-          <a:r>
-            <a:rPr lang="pt-PT" sz="1400" kern="1200" dirty="0" err="1"/>
-            <a:t>endpoints</a:t>
-          </a:r>
-          <a:r>
-            <a:rPr lang="pt-PT" sz="1400" kern="1200" dirty="0"/>
-            <a:t> da API.</a:t>
-          </a:r>
-          <a:endParaRPr lang="en-US" sz="1400" kern="1200" dirty="0"/>
         </a:p>
       </dsp:txBody>
       <dsp:txXfrm>
-        <a:off x="356223" y="22486"/>
-        <a:ext cx="2273450" cy="702265"/>
+        <a:off x="452624" y="30337"/>
+        <a:ext cx="2080649" cy="893138"/>
       </dsp:txXfrm>
     </dsp:sp>
-    <dsp:sp modelId="{2B4957F9-0417-494B-83E6-D3EFE2BB1486}">
+    <dsp:sp modelId="{8DAD36F8-A77F-49A8-AF64-732DCDE3FD1B}">
       <dsp:nvSpPr>
         <dsp:cNvPr id="0" name=""/>
         <dsp:cNvSpPr/>
       </dsp:nvSpPr>
       <dsp:spPr>
         <a:xfrm rot="5400000">
-          <a:off x="1353080" y="765249"/>
-          <a:ext cx="279736" cy="335683"/>
+          <a:off x="1315065" y="974980"/>
+          <a:ext cx="355767" cy="426920"/>
         </a:xfrm>
         <a:prstGeom prst="rightArrow">
           <a:avLst>
@@ -11189,7 +11045,7 @@
         </a:bodyPr>
         <a:lstStyle/>
         <a:p>
-          <a:pPr marL="0" lvl="0" indent="0" algn="ctr" defTabSz="488950">
+          <a:pPr marL="0" lvl="0" indent="0" algn="ctr" defTabSz="622300">
             <a:lnSpc>
               <a:spcPct val="90000"/>
             </a:lnSpc>
@@ -11201,23 +11057,23 @@
             </a:spcAft>
             <a:buNone/>
           </a:pPr>
-          <a:endParaRPr lang="en-US" sz="1100" kern="1200"/>
+          <a:endParaRPr lang="pt-PT" sz="1400" kern="1200"/>
         </a:p>
       </dsp:txBody>
       <dsp:txXfrm rot="-5400000">
-        <a:off x="1392244" y="793223"/>
-        <a:ext cx="201409" cy="195815"/>
+        <a:off x="1364873" y="1010556"/>
+        <a:ext cx="256152" cy="249037"/>
       </dsp:txXfrm>
     </dsp:sp>
-    <dsp:sp modelId="{98D8ECDB-E73B-4379-B402-ACF17D8F1C34}">
+    <dsp:sp modelId="{E3DDEFFF-5E60-4ECF-A6A7-E351BD94FCB5}">
       <dsp:nvSpPr>
         <dsp:cNvPr id="0" name=""/>
         <dsp:cNvSpPr/>
       </dsp:nvSpPr>
       <dsp:spPr>
         <a:xfrm>
-          <a:off x="334374" y="1119582"/>
-          <a:ext cx="2317148" cy="745963"/>
+          <a:off x="424837" y="1425618"/>
+          <a:ext cx="2136223" cy="948712"/>
         </a:xfrm>
         <a:prstGeom prst="roundRect">
           <a:avLst>
@@ -11277,12 +11133,12 @@
         </a:fontRef>
       </dsp:style>
       <dsp:txBody>
-        <a:bodyPr spcFirstLastPara="0" vert="horz" wrap="square" lIns="53340" tIns="53340" rIns="53340" bIns="53340" numCol="1" spcCol="1270" anchor="ctr" anchorCtr="0">
+        <a:bodyPr spcFirstLastPara="0" vert="horz" wrap="square" lIns="68580" tIns="68580" rIns="68580" bIns="68580" numCol="1" spcCol="1270" anchor="ctr" anchorCtr="0">
           <a:noAutofit/>
         </a:bodyPr>
         <a:lstStyle/>
         <a:p>
-          <a:pPr marL="0" lvl="0" indent="0" algn="ctr" defTabSz="622300">
+          <a:pPr marL="0" lvl="0" indent="0" algn="ctr" defTabSz="800100">
             <a:lnSpc>
               <a:spcPct val="90000"/>
             </a:lnSpc>
@@ -11295,34 +11151,25 @@
             <a:buNone/>
           </a:pPr>
           <a:r>
-            <a:rPr lang="pt-PT" sz="1400" kern="1200" dirty="0"/>
-            <a:t>Implementação do </a:t>
+            <a:rPr lang="pt-PT" sz="1800" kern="1200" dirty="0"/>
+            <a:t>Frontend – Estrutura Inicial da Aplicação (React.js)</a:t>
           </a:r>
-          <a:r>
-            <a:rPr lang="pt-PT" sz="1400" b="1" kern="1200" dirty="0"/>
-            <a:t>motor de simulação SIR</a:t>
-          </a:r>
-          <a:r>
-            <a:rPr lang="pt-PT" sz="1400" kern="1200" dirty="0"/>
-            <a:t> com base nos parâmetros definidos.</a:t>
-          </a:r>
-          <a:endParaRPr lang="en-US" sz="1400" kern="1200" dirty="0"/>
         </a:p>
       </dsp:txBody>
       <dsp:txXfrm>
-        <a:off x="356223" y="1141431"/>
-        <a:ext cx="2273450" cy="702265"/>
+        <a:off x="452624" y="1453405"/>
+        <a:ext cx="2080649" cy="893138"/>
       </dsp:txXfrm>
     </dsp:sp>
-    <dsp:sp modelId="{826AF609-2878-4EFD-AF4E-C6B6773623CA}">
+    <dsp:sp modelId="{006CBDA9-285C-4880-A134-30C4267DE788}">
       <dsp:nvSpPr>
         <dsp:cNvPr id="0" name=""/>
         <dsp:cNvSpPr/>
       </dsp:nvSpPr>
       <dsp:spPr>
         <a:xfrm rot="5400000">
-          <a:off x="1353080" y="1884194"/>
-          <a:ext cx="279736" cy="335683"/>
+          <a:off x="1315065" y="2398048"/>
+          <a:ext cx="355767" cy="426920"/>
         </a:xfrm>
         <a:prstGeom prst="rightArrow">
           <a:avLst>
@@ -11390,7 +11237,7 @@
         </a:bodyPr>
         <a:lstStyle/>
         <a:p>
-          <a:pPr marL="0" lvl="0" indent="0" algn="ctr" defTabSz="488950">
+          <a:pPr marL="0" lvl="0" indent="0" algn="ctr" defTabSz="622300">
             <a:lnSpc>
               <a:spcPct val="90000"/>
             </a:lnSpc>
@@ -11402,23 +11249,23 @@
             </a:spcAft>
             <a:buNone/>
           </a:pPr>
-          <a:endParaRPr lang="en-US" sz="1100" kern="1200"/>
+          <a:endParaRPr lang="pt-PT" sz="1400" kern="1200"/>
         </a:p>
       </dsp:txBody>
       <dsp:txXfrm rot="-5400000">
-        <a:off x="1392244" y="1912168"/>
-        <a:ext cx="201409" cy="195815"/>
+        <a:off x="1364873" y="2433624"/>
+        <a:ext cx="256152" cy="249037"/>
       </dsp:txXfrm>
     </dsp:sp>
-    <dsp:sp modelId="{F2C12C38-6A75-4E48-90A8-E28E5F2852CB}">
+    <dsp:sp modelId="{72D60254-FAB6-4A15-9C54-32D39F127C1A}">
       <dsp:nvSpPr>
         <dsp:cNvPr id="0" name=""/>
         <dsp:cNvSpPr/>
       </dsp:nvSpPr>
       <dsp:spPr>
         <a:xfrm>
-          <a:off x="334374" y="2238527"/>
-          <a:ext cx="2317148" cy="745963"/>
+          <a:off x="424837" y="2848687"/>
+          <a:ext cx="2136223" cy="948712"/>
         </a:xfrm>
         <a:prstGeom prst="roundRect">
           <a:avLst>
@@ -11478,12 +11325,12 @@
         </a:fontRef>
       </dsp:style>
       <dsp:txBody>
-        <a:bodyPr spcFirstLastPara="0" vert="horz" wrap="square" lIns="53340" tIns="53340" rIns="53340" bIns="53340" numCol="1" spcCol="1270" anchor="ctr" anchorCtr="0">
+        <a:bodyPr spcFirstLastPara="0" vert="horz" wrap="square" lIns="68580" tIns="68580" rIns="68580" bIns="68580" numCol="1" spcCol="1270" anchor="ctr" anchorCtr="0">
           <a:noAutofit/>
         </a:bodyPr>
         <a:lstStyle/>
         <a:p>
-          <a:pPr marL="0" lvl="0" indent="0" algn="ctr" defTabSz="622300">
+          <a:pPr marL="0" lvl="0" indent="0" algn="ctr" defTabSz="800100">
             <a:lnSpc>
               <a:spcPct val="90000"/>
             </a:lnSpc>
@@ -11496,26 +11343,25 @@
             <a:buNone/>
           </a:pPr>
           <a:r>
-            <a:rPr lang="pt-PT" sz="1400" kern="1200" dirty="0"/>
-            <a:t>Estruturar persistência e operações CRUD iniciais.</a:t>
+            <a:rPr lang="pt-PT" sz="1800" kern="1200" dirty="0"/>
+            <a:t>Backend – Estrutura Base da API (Flask) e Autenticação Inicial</a:t>
           </a:r>
-          <a:endParaRPr lang="en-US" sz="1400" kern="1200" dirty="0"/>
         </a:p>
       </dsp:txBody>
       <dsp:txXfrm>
-        <a:off x="356223" y="2260376"/>
-        <a:ext cx="2273450" cy="702265"/>
+        <a:off x="452624" y="2876474"/>
+        <a:ext cx="2080649" cy="893138"/>
       </dsp:txXfrm>
     </dsp:sp>
-    <dsp:sp modelId="{68310BA0-BD6A-4AFE-B2B3-41F088EE934E}">
+    <dsp:sp modelId="{F99A388B-19C3-497E-9E9F-7C15D888B273}">
       <dsp:nvSpPr>
         <dsp:cNvPr id="0" name=""/>
         <dsp:cNvSpPr/>
       </dsp:nvSpPr>
       <dsp:spPr>
         <a:xfrm rot="5400000">
-          <a:off x="1353080" y="3003139"/>
-          <a:ext cx="279736" cy="335683"/>
+          <a:off x="1315065" y="3821117"/>
+          <a:ext cx="355767" cy="426920"/>
         </a:xfrm>
         <a:prstGeom prst="rightArrow">
           <a:avLst>
@@ -11583,7 +11429,7 @@
         </a:bodyPr>
         <a:lstStyle/>
         <a:p>
-          <a:pPr marL="0" lvl="0" indent="0" algn="ctr" defTabSz="488950">
+          <a:pPr marL="0" lvl="0" indent="0" algn="ctr" defTabSz="622300">
             <a:lnSpc>
               <a:spcPct val="90000"/>
             </a:lnSpc>
@@ -11595,12 +11441,12 @@
             </a:spcAft>
             <a:buNone/>
           </a:pPr>
-          <a:endParaRPr lang="en-US" sz="1100" kern="1200"/>
+          <a:endParaRPr lang="pt-PT" sz="1400" kern="1200"/>
         </a:p>
       </dsp:txBody>
       <dsp:txXfrm rot="-5400000">
-        <a:off x="1392244" y="3031113"/>
-        <a:ext cx="201409" cy="195815"/>
+        <a:off x="1364873" y="3856693"/>
+        <a:ext cx="256152" cy="249037"/>
       </dsp:txXfrm>
     </dsp:sp>
     <dsp:sp modelId="{2E986A56-A8D0-4EFC-B100-EABCB474683E}">
@@ -11610,8 +11456,8 @@
       </dsp:nvSpPr>
       <dsp:spPr>
         <a:xfrm>
-          <a:off x="334374" y="3357472"/>
-          <a:ext cx="2317148" cy="745963"/>
+          <a:off x="424837" y="4271755"/>
+          <a:ext cx="2136223" cy="948712"/>
         </a:xfrm>
         <a:prstGeom prst="roundRect">
           <a:avLst>
@@ -11671,12 +11517,12 @@
         </a:fontRef>
       </dsp:style>
       <dsp:txBody>
-        <a:bodyPr spcFirstLastPara="0" vert="horz" wrap="square" lIns="53340" tIns="53340" rIns="53340" bIns="53340" numCol="1" spcCol="1270" anchor="ctr" anchorCtr="0">
+        <a:bodyPr spcFirstLastPara="0" vert="horz" wrap="square" lIns="68580" tIns="68580" rIns="68580" bIns="68580" numCol="1" spcCol="1270" anchor="ctr" anchorCtr="0">
           <a:noAutofit/>
         </a:bodyPr>
         <a:lstStyle/>
         <a:p>
-          <a:pPr marL="0" lvl="0" indent="0" algn="ctr" defTabSz="622300">
+          <a:pPr marL="0" lvl="0" indent="0" algn="ctr" defTabSz="800100">
             <a:lnSpc>
               <a:spcPct val="90000"/>
             </a:lnSpc>
@@ -11689,248 +11535,15 @@
             <a:buNone/>
           </a:pPr>
           <a:r>
-            <a:rPr lang="pt-PT" sz="1400" kern="1200" dirty="0"/>
-            <a:t>Preparação do primeiro </a:t>
+            <a:rPr lang="pt-PT" sz="1800" kern="1200" dirty="0"/>
+            <a:t>Gestão de Projeto – Organização e Documentação</a:t>
           </a:r>
-          <a:r>
-            <a:rPr lang="pt-PT" sz="1400" kern="1200" dirty="0" err="1"/>
-            <a:t>mockup</a:t>
-          </a:r>
-          <a:r>
-            <a:rPr lang="pt-PT" sz="1400" kern="1200" dirty="0"/>
-            <a:t> funcional do </a:t>
-          </a:r>
-          <a:r>
-            <a:rPr lang="pt-PT" sz="1400" kern="1200" dirty="0" err="1"/>
-            <a:t>frontend</a:t>
-          </a:r>
-          <a:r>
-            <a:rPr lang="pt-PT" sz="1400" kern="1200" dirty="0"/>
-            <a:t> (</a:t>
-          </a:r>
-          <a:r>
-            <a:rPr lang="pt-PT" sz="1400" kern="1200" dirty="0" err="1"/>
-            <a:t>React</a:t>
-          </a:r>
-          <a:r>
-            <a:rPr lang="pt-PT" sz="1400" kern="1200" dirty="0"/>
-            <a:t>).</a:t>
-          </a:r>
-          <a:endParaRPr lang="en-US" sz="1400" kern="1200" dirty="0"/>
+          <a:endParaRPr lang="en-US" sz="1800" kern="1200" dirty="0"/>
         </a:p>
       </dsp:txBody>
       <dsp:txXfrm>
-        <a:off x="356223" y="3379321"/>
-        <a:ext cx="2273450" cy="702265"/>
-      </dsp:txXfrm>
-    </dsp:sp>
-    <dsp:sp modelId="{CEA09C91-30EC-4C33-A23E-D063F93E4B84}">
-      <dsp:nvSpPr>
-        <dsp:cNvPr id="0" name=""/>
-        <dsp:cNvSpPr/>
-      </dsp:nvSpPr>
-      <dsp:spPr>
-        <a:xfrm rot="5400000">
-          <a:off x="1353080" y="4122084"/>
-          <a:ext cx="279736" cy="335683"/>
-        </a:xfrm>
-        <a:prstGeom prst="rightArrow">
-          <a:avLst>
-            <a:gd name="adj1" fmla="val 60000"/>
-            <a:gd name="adj2" fmla="val 50000"/>
-          </a:avLst>
-        </a:prstGeom>
-        <a:gradFill rotWithShape="0">
-          <a:gsLst>
-            <a:gs pos="0">
-              <a:schemeClr val="accent1">
-                <a:tint val="60000"/>
-                <a:hueOff val="0"/>
-                <a:satOff val="0"/>
-                <a:lumOff val="0"/>
-                <a:alphaOff val="0"/>
-                <a:tint val="100000"/>
-                <a:shade val="100000"/>
-                <a:satMod val="130000"/>
-              </a:schemeClr>
-            </a:gs>
-            <a:gs pos="100000">
-              <a:schemeClr val="accent1">
-                <a:tint val="60000"/>
-                <a:hueOff val="0"/>
-                <a:satOff val="0"/>
-                <a:lumOff val="0"/>
-                <a:alphaOff val="0"/>
-                <a:tint val="50000"/>
-                <a:shade val="100000"/>
-                <a:satMod val="350000"/>
-              </a:schemeClr>
-            </a:gs>
-          </a:gsLst>
-          <a:lin ang="16200000" scaled="0"/>
-        </a:gradFill>
-        <a:ln>
-          <a:noFill/>
-        </a:ln>
-        <a:effectLst>
-          <a:outerShdw blurRad="40000" dist="23000" dir="5400000" rotWithShape="0">
-            <a:srgbClr val="000000">
-              <a:alpha val="35000"/>
-            </a:srgbClr>
-          </a:outerShdw>
-        </a:effectLst>
-      </dsp:spPr>
-      <dsp:style>
-        <a:lnRef idx="0">
-          <a:scrgbClr r="0" g="0" b="0"/>
-        </a:lnRef>
-        <a:fillRef idx="3">
-          <a:scrgbClr r="0" g="0" b="0"/>
-        </a:fillRef>
-        <a:effectRef idx="2">
-          <a:scrgbClr r="0" g="0" b="0"/>
-        </a:effectRef>
-        <a:fontRef idx="minor">
-          <a:schemeClr val="lt1"/>
-        </a:fontRef>
-      </dsp:style>
-      <dsp:txBody>
-        <a:bodyPr spcFirstLastPara="0" vert="horz" wrap="square" lIns="0" tIns="0" rIns="0" bIns="0" numCol="1" spcCol="1270" anchor="ctr" anchorCtr="0">
-          <a:noAutofit/>
-        </a:bodyPr>
-        <a:lstStyle/>
-        <a:p>
-          <a:pPr marL="0" lvl="0" indent="0" algn="ctr" defTabSz="488950">
-            <a:lnSpc>
-              <a:spcPct val="90000"/>
-            </a:lnSpc>
-            <a:spcBef>
-              <a:spcPct val="0"/>
-            </a:spcBef>
-            <a:spcAft>
-              <a:spcPct val="35000"/>
-            </a:spcAft>
-            <a:buNone/>
-          </a:pPr>
-          <a:endParaRPr lang="en-US" sz="1100" kern="1200"/>
-        </a:p>
-      </dsp:txBody>
-      <dsp:txXfrm rot="-5400000">
-        <a:off x="1392244" y="4150058"/>
-        <a:ext cx="201409" cy="195815"/>
-      </dsp:txXfrm>
-    </dsp:sp>
-    <dsp:sp modelId="{2D34390B-C361-4D5A-B784-8A26C417D1A1}">
-      <dsp:nvSpPr>
-        <dsp:cNvPr id="0" name=""/>
-        <dsp:cNvSpPr/>
-      </dsp:nvSpPr>
-      <dsp:spPr>
-        <a:xfrm>
-          <a:off x="334374" y="4476417"/>
-          <a:ext cx="2317148" cy="745963"/>
-        </a:xfrm>
-        <a:prstGeom prst="roundRect">
-          <a:avLst>
-            <a:gd name="adj" fmla="val 10000"/>
-          </a:avLst>
-        </a:prstGeom>
-        <a:gradFill rotWithShape="0">
-          <a:gsLst>
-            <a:gs pos="0">
-              <a:schemeClr val="accent1">
-                <a:hueOff val="0"/>
-                <a:satOff val="0"/>
-                <a:lumOff val="0"/>
-                <a:alphaOff val="0"/>
-                <a:tint val="100000"/>
-                <a:shade val="100000"/>
-                <a:satMod val="130000"/>
-              </a:schemeClr>
-            </a:gs>
-            <a:gs pos="100000">
-              <a:schemeClr val="accent1">
-                <a:hueOff val="0"/>
-                <a:satOff val="0"/>
-                <a:lumOff val="0"/>
-                <a:alphaOff val="0"/>
-                <a:tint val="50000"/>
-                <a:shade val="100000"/>
-                <a:satMod val="350000"/>
-              </a:schemeClr>
-            </a:gs>
-          </a:gsLst>
-          <a:lin ang="16200000" scaled="0"/>
-        </a:gradFill>
-        <a:ln>
-          <a:noFill/>
-        </a:ln>
-        <a:effectLst>
-          <a:outerShdw blurRad="40000" dist="23000" dir="5400000" rotWithShape="0">
-            <a:srgbClr val="000000">
-              <a:alpha val="35000"/>
-            </a:srgbClr>
-          </a:outerShdw>
-        </a:effectLst>
-      </dsp:spPr>
-      <dsp:style>
-        <a:lnRef idx="0">
-          <a:scrgbClr r="0" g="0" b="0"/>
-        </a:lnRef>
-        <a:fillRef idx="3">
-          <a:scrgbClr r="0" g="0" b="0"/>
-        </a:fillRef>
-        <a:effectRef idx="2">
-          <a:scrgbClr r="0" g="0" b="0"/>
-        </a:effectRef>
-        <a:fontRef idx="minor">
-          <a:schemeClr val="lt1"/>
-        </a:fontRef>
-      </dsp:style>
-      <dsp:txBody>
-        <a:bodyPr spcFirstLastPara="0" vert="horz" wrap="square" lIns="53340" tIns="53340" rIns="53340" bIns="53340" numCol="1" spcCol="1270" anchor="ctr" anchorCtr="0">
-          <a:noAutofit/>
-        </a:bodyPr>
-        <a:lstStyle/>
-        <a:p>
-          <a:pPr marL="0" lvl="0" indent="0" algn="ctr" defTabSz="622300">
-            <a:lnSpc>
-              <a:spcPct val="90000"/>
-            </a:lnSpc>
-            <a:spcBef>
-              <a:spcPct val="0"/>
-            </a:spcBef>
-            <a:spcAft>
-              <a:spcPct val="35000"/>
-            </a:spcAft>
-            <a:buNone/>
-          </a:pPr>
-          <a:r>
-            <a:rPr lang="pt-PT" sz="1400" kern="1200" dirty="0"/>
-            <a:t>Validação de integração entre </a:t>
-          </a:r>
-          <a:r>
-            <a:rPr lang="pt-PT" sz="1400" kern="1200" dirty="0" err="1"/>
-            <a:t>backend</a:t>
-          </a:r>
-          <a:r>
-            <a:rPr lang="pt-PT" sz="1400" kern="1200" dirty="0"/>
-            <a:t> ↔ </a:t>
-          </a:r>
-          <a:r>
-            <a:rPr lang="pt-PT" sz="1400" kern="1200" dirty="0" err="1"/>
-            <a:t>frontend</a:t>
-          </a:r>
-          <a:r>
-            <a:rPr lang="pt-PT" sz="1400" kern="1200" dirty="0"/>
-            <a:t>.</a:t>
-          </a:r>
-          <a:endParaRPr lang="en-US" sz="1400" kern="1200" dirty="0"/>
-        </a:p>
-      </dsp:txBody>
-      <dsp:txXfrm>
-        <a:off x="356223" y="4498266"/>
-        <a:ext cx="2273450" cy="702265"/>
+        <a:off x="452624" y="4299542"/>
+        <a:ext cx="2080649" cy="893138"/>
       </dsp:txXfrm>
     </dsp:sp>
   </dsp:spTree>
@@ -25932,7 +25545,7 @@
           <p:nvPr>
             <p:extLst>
               <p:ext uri="{D42A27DB-BD31-4B8C-83A1-F6EECF244321}">
-                <p14:modId xmlns:p14="http://schemas.microsoft.com/office/powerpoint/2010/main" val="495257509"/>
+                <p14:modId xmlns:p14="http://schemas.microsoft.com/office/powerpoint/2010/main" val="634548751"/>
               </p:ext>
             </p:extLst>
           </p:nvPr>
@@ -25987,7 +25600,7 @@
           <p:nvPr>
             <p:extLst>
               <p:ext uri="{D42A27DB-BD31-4B8C-83A1-F6EECF244321}">
-                <p14:modId xmlns:p14="http://schemas.microsoft.com/office/powerpoint/2010/main" val="2532071091"/>
+                <p14:modId xmlns:p14="http://schemas.microsoft.com/office/powerpoint/2010/main" val="2618969816"/>
               </p:ext>
             </p:extLst>
           </p:nvPr>
@@ -26108,29 +25721,7 @@
                 <a:ea typeface="+mj-ea"/>
                 <a:cs typeface="+mj-cs"/>
               </a:rPr>
-              <a:t>Up</a:t>
-            </a:r>
-            <a:r>
-              <a:rPr lang="en-US" sz="3200" b="1" dirty="0">
-                <a:solidFill>
-                  <a:srgbClr val="FF0000"/>
-                </a:solidFill>
-                <a:latin typeface="+mj-lt"/>
-                <a:ea typeface="+mj-ea"/>
-                <a:cs typeface="+mj-cs"/>
-              </a:rPr>
-              <a:t> </a:t>
-            </a:r>
-            <a:r>
-              <a:rPr lang="en-US" sz="3200" b="1" dirty="0">
-                <a:solidFill>
-                  <a:schemeClr val="tx2"/>
-                </a:solidFill>
-                <a:latin typeface="+mj-lt"/>
-                <a:ea typeface="+mj-ea"/>
-                <a:cs typeface="+mj-cs"/>
-              </a:rPr>
-              <a:t>Next</a:t>
+              <a:t>Sprint B</a:t>
             </a:r>
             <a:endParaRPr lang="pt-PT" sz="3200" b="1" dirty="0">
               <a:solidFill>
